--- a/poster/icassp_2019.pptx
+++ b/poster/icassp_2019.pptx
@@ -4169,8 +4169,8 @@
         </p:nvSpPr>
         <p:spPr bwMode="auto">
           <a:xfrm>
-            <a:off x="228900" y="-44138"/>
-            <a:ext cx="45242240" cy="4297074"/>
+            <a:off x="228900" y="463661"/>
+            <a:ext cx="45242240" cy="3281476"/>
           </a:xfrm>
           <a:prstGeom prst="rect">
             <a:avLst/>
@@ -4193,33 +4193,14 @@
           <a:p>
             <a:pPr algn="ctr" defTabSz="4906411"/>
             <a:r>
-              <a:rPr lang="en-US" altLang="zh-CN" sz="6000" b="1" dirty="0">
+              <a:rPr lang="en-US" altLang="zh-CN" sz="5400" b="1" dirty="0">
                 <a:solidFill>
                   <a:srgbClr val="7030A0"/>
                 </a:solidFill>
                 <a:latin typeface="Times New Roman" panose="02020603050405020304" pitchFamily="18" charset="0"/>
                 <a:cs typeface="Times New Roman" panose="02020603050405020304" pitchFamily="18" charset="0"/>
               </a:rPr>
-              <a:t>Learning Discriminative Features from Spectrograms </a:t>
-            </a:r>
-            <a:br>
-              <a:rPr lang="en-US" altLang="zh-CN" sz="6000" b="1" dirty="0">
-                <a:solidFill>
-                  <a:srgbClr val="7030A0"/>
-                </a:solidFill>
-                <a:latin typeface="Times New Roman" panose="02020603050405020304" pitchFamily="18" charset="0"/>
-                <a:cs typeface="Times New Roman" panose="02020603050405020304" pitchFamily="18" charset="0"/>
-              </a:rPr>
-            </a:br>
-            <a:r>
-              <a:rPr lang="en-US" altLang="zh-CN" sz="6000" b="1" dirty="0">
-                <a:solidFill>
-                  <a:srgbClr val="7030A0"/>
-                </a:solidFill>
-                <a:latin typeface="Times New Roman" panose="02020603050405020304" pitchFamily="18" charset="0"/>
-                <a:cs typeface="Times New Roman" panose="02020603050405020304" pitchFamily="18" charset="0"/>
-              </a:rPr>
-              <a:t>using Center Loss for Speech Emotion Recognition</a:t>
+              <a:t>Learning Discriminative Features from Spectrograms using Center Loss for Speech Emotion Recognition</a:t>
             </a:r>
           </a:p>
           <a:p>
@@ -4482,7 +4463,9 @@
           <a:p>
             <a:pPr marL="517927" indent="-459976" algn="just" defTabSz="4200987">
               <a:buBlip>
-                <a:blip r:embed="rId5"/>
+                <a:blip r:embed="rId5">
+                  <a:extLst/>
+                </a:blip>
               </a:buBlip>
             </a:pPr>
             <a:r>
@@ -4493,7 +4476,7 @@
                 <a:latin typeface="Times New Roman" panose="02020603050405020304" pitchFamily="18" charset="0"/>
                 <a:cs typeface="Times New Roman" panose="02020603050405020304" pitchFamily="18" charset="0"/>
               </a:rPr>
-              <a:t>Objective</a:t>
+              <a:t>Motivation</a:t>
             </a:r>
           </a:p>
           <a:p>
@@ -4516,236 +4499,8 @@
                 <a:ea typeface="宋体" charset="-122"/>
                 <a:cs typeface="Times New Roman" panose="02020603050405020304" pitchFamily="18" charset="0"/>
               </a:rPr>
-              <a:t>Detect glottal</a:t>
-            </a:r>
-            <a:r>
-              <a:rPr lang="zh-CN" altLang="en-US" sz="3219" dirty="0">
-                <a:solidFill>
-                  <a:prstClr val="black"/>
-                </a:solidFill>
-                <a:latin typeface="Times New Roman" panose="02020603050405020304" pitchFamily="18" charset="0"/>
-                <a:ea typeface="宋体" charset="-122"/>
-                <a:cs typeface="Times New Roman" panose="02020603050405020304" pitchFamily="18" charset="0"/>
-              </a:rPr>
-              <a:t> </a:t>
-            </a:r>
-            <a:r>
-              <a:rPr lang="en-US" altLang="zh-CN" sz="3219" dirty="0">
-                <a:solidFill>
-                  <a:prstClr val="black"/>
-                </a:solidFill>
-                <a:latin typeface="Times New Roman" panose="02020603050405020304" pitchFamily="18" charset="0"/>
-                <a:ea typeface="宋体" charset="-122"/>
-                <a:cs typeface="Times New Roman" panose="02020603050405020304" pitchFamily="18" charset="0"/>
-              </a:rPr>
-              <a:t>closure</a:t>
-            </a:r>
-            <a:r>
-              <a:rPr lang="zh-CN" altLang="en-US" sz="3219" dirty="0">
-                <a:solidFill>
-                  <a:prstClr val="black"/>
-                </a:solidFill>
-                <a:latin typeface="Times New Roman" panose="02020603050405020304" pitchFamily="18" charset="0"/>
-                <a:ea typeface="宋体" charset="-122"/>
-                <a:cs typeface="Times New Roman" panose="02020603050405020304" pitchFamily="18" charset="0"/>
-              </a:rPr>
-              <a:t> </a:t>
-            </a:r>
-            <a:r>
-              <a:rPr lang="en-US" altLang="zh-CN" sz="3219" dirty="0">
-                <a:solidFill>
-                  <a:prstClr val="black"/>
-                </a:solidFill>
-                <a:latin typeface="Times New Roman" panose="02020603050405020304" pitchFamily="18" charset="0"/>
-                <a:ea typeface="宋体" charset="-122"/>
-                <a:cs typeface="Times New Roman" panose="02020603050405020304" pitchFamily="18" charset="0"/>
-              </a:rPr>
-              <a:t>instants (GCI) directly</a:t>
-            </a:r>
-            <a:r>
-              <a:rPr lang="zh-CN" altLang="en-US" sz="3219" dirty="0">
-                <a:solidFill>
-                  <a:prstClr val="black"/>
-                </a:solidFill>
-                <a:latin typeface="Times New Roman" panose="02020603050405020304" pitchFamily="18" charset="0"/>
-                <a:ea typeface="宋体" charset="-122"/>
-                <a:cs typeface="Times New Roman" panose="02020603050405020304" pitchFamily="18" charset="0"/>
-              </a:rPr>
-              <a:t> </a:t>
-            </a:r>
-            <a:r>
-              <a:rPr lang="en-US" altLang="zh-CN" sz="3219" dirty="0">
-                <a:solidFill>
-                  <a:prstClr val="black"/>
-                </a:solidFill>
-                <a:latin typeface="Times New Roman" panose="02020603050405020304" pitchFamily="18" charset="0"/>
-                <a:ea typeface="宋体" charset="-122"/>
-                <a:cs typeface="Times New Roman" panose="02020603050405020304" pitchFamily="18" charset="0"/>
-              </a:rPr>
-              <a:t>from</a:t>
-            </a:r>
-            <a:r>
-              <a:rPr lang="zh-CN" altLang="en-US" sz="3219" dirty="0">
-                <a:solidFill>
-                  <a:prstClr val="black"/>
-                </a:solidFill>
-                <a:latin typeface="Times New Roman" panose="02020603050405020304" pitchFamily="18" charset="0"/>
-                <a:ea typeface="宋体" charset="-122"/>
-                <a:cs typeface="Times New Roman" panose="02020603050405020304" pitchFamily="18" charset="0"/>
-              </a:rPr>
-              <a:t> </a:t>
-            </a:r>
-            <a:r>
-              <a:rPr lang="en-US" altLang="zh-CN" sz="3219" dirty="0">
-                <a:solidFill>
-                  <a:prstClr val="black"/>
-                </a:solidFill>
-                <a:latin typeface="Times New Roman" panose="02020603050405020304" pitchFamily="18" charset="0"/>
-                <a:ea typeface="宋体" charset="-122"/>
-                <a:cs typeface="Times New Roman" panose="02020603050405020304" pitchFamily="18" charset="0"/>
-              </a:rPr>
-              <a:t>speech</a:t>
-            </a:r>
-            <a:r>
-              <a:rPr lang="zh-CN" altLang="en-US" sz="3219" dirty="0">
-                <a:solidFill>
-                  <a:prstClr val="black"/>
-                </a:solidFill>
-                <a:latin typeface="Times New Roman" panose="02020603050405020304" pitchFamily="18" charset="0"/>
-                <a:ea typeface="宋体" charset="-122"/>
-                <a:cs typeface="Times New Roman" panose="02020603050405020304" pitchFamily="18" charset="0"/>
-              </a:rPr>
-              <a:t> </a:t>
-            </a:r>
-            <a:r>
-              <a:rPr lang="en-US" altLang="zh-CN" sz="3219" dirty="0">
-                <a:solidFill>
-                  <a:prstClr val="black"/>
-                </a:solidFill>
-                <a:latin typeface="Times New Roman" panose="02020603050405020304" pitchFamily="18" charset="0"/>
-                <a:ea typeface="宋体" charset="-122"/>
-                <a:cs typeface="Times New Roman" panose="02020603050405020304" pitchFamily="18" charset="0"/>
-              </a:rPr>
-              <a:t>signals</a:t>
-            </a:r>
-          </a:p>
-          <a:p>
-            <a:pPr marL="397467" lvl="1" indent="0" defTabSz="4200987">
-              <a:buClr>
-                <a:srgbClr val="003466">
-                  <a:lumMod val="60000"/>
-                  <a:lumOff val="40000"/>
-                </a:srgbClr>
-              </a:buClr>
-            </a:pPr>
-            <a:endParaRPr lang="en-US" altLang="zh-CN" sz="3219" i="1" dirty="0">
-              <a:solidFill>
-                <a:prstClr val="black"/>
-              </a:solidFill>
-              <a:latin typeface="Times New Roman" panose="02020603050405020304" pitchFamily="18" charset="0"/>
-              <a:ea typeface="宋体" charset="-122"/>
-              <a:cs typeface="Times New Roman" panose="02020603050405020304" pitchFamily="18" charset="0"/>
-            </a:endParaRPr>
-          </a:p>
-          <a:p>
-            <a:pPr marL="397467" lvl="1" indent="0" defTabSz="4200987">
-              <a:buClr>
-                <a:srgbClr val="003466">
-                  <a:lumMod val="60000"/>
-                  <a:lumOff val="40000"/>
-                </a:srgbClr>
-              </a:buClr>
-            </a:pPr>
-            <a:endParaRPr lang="en-US" altLang="zh-CN" sz="3219" i="1" dirty="0">
-              <a:solidFill>
-                <a:prstClr val="black"/>
-              </a:solidFill>
-              <a:latin typeface="Times New Roman" panose="02020603050405020304" pitchFamily="18" charset="0"/>
-              <a:ea typeface="宋体" charset="-122"/>
-              <a:cs typeface="Times New Roman" panose="02020603050405020304" pitchFamily="18" charset="0"/>
-            </a:endParaRPr>
-          </a:p>
-          <a:p>
-            <a:pPr marL="397467" lvl="1" indent="0" defTabSz="4200987">
-              <a:buClr>
-                <a:srgbClr val="003466">
-                  <a:lumMod val="60000"/>
-                  <a:lumOff val="40000"/>
-                </a:srgbClr>
-              </a:buClr>
-            </a:pPr>
-            <a:endParaRPr lang="en-US" altLang="zh-CN" sz="3219" i="1" dirty="0">
-              <a:solidFill>
-                <a:prstClr val="black"/>
-              </a:solidFill>
-              <a:latin typeface="Times New Roman" panose="02020603050405020304" pitchFamily="18" charset="0"/>
-              <a:ea typeface="宋体" charset="-122"/>
-              <a:cs typeface="Times New Roman" panose="02020603050405020304" pitchFamily="18" charset="0"/>
-            </a:endParaRPr>
-          </a:p>
-          <a:p>
-            <a:pPr marL="397467" lvl="1" indent="0" defTabSz="4200987">
-              <a:buClr>
-                <a:srgbClr val="003466">
-                  <a:lumMod val="60000"/>
-                  <a:lumOff val="40000"/>
-                </a:srgbClr>
-              </a:buClr>
-            </a:pPr>
-            <a:endParaRPr lang="en-US" altLang="zh-CN" sz="3219" i="1" dirty="0">
-              <a:solidFill>
-                <a:prstClr val="black"/>
-              </a:solidFill>
-              <a:latin typeface="Times New Roman" panose="02020603050405020304" pitchFamily="18" charset="0"/>
-              <a:ea typeface="宋体" charset="-122"/>
-              <a:cs typeface="Times New Roman" panose="02020603050405020304" pitchFamily="18" charset="0"/>
-            </a:endParaRPr>
-          </a:p>
-          <a:p>
-            <a:pPr marL="397467" lvl="1" indent="0" defTabSz="4200987">
-              <a:buClr>
-                <a:srgbClr val="003466">
-                  <a:lumMod val="60000"/>
-                  <a:lumOff val="40000"/>
-                </a:srgbClr>
-              </a:buClr>
-            </a:pPr>
-            <a:endParaRPr lang="en-US" altLang="zh-CN" sz="3219" i="1" dirty="0">
-              <a:solidFill>
-                <a:prstClr val="black"/>
-              </a:solidFill>
-              <a:latin typeface="Times New Roman" panose="02020603050405020304" pitchFamily="18" charset="0"/>
-              <a:ea typeface="宋体" charset="-122"/>
-              <a:cs typeface="Times New Roman" panose="02020603050405020304" pitchFamily="18" charset="0"/>
-            </a:endParaRPr>
-          </a:p>
-          <a:p>
-            <a:pPr marL="397467" lvl="1" indent="0" defTabSz="4200987">
-              <a:buClr>
-                <a:srgbClr val="003466">
-                  <a:lumMod val="60000"/>
-                  <a:lumOff val="40000"/>
-                </a:srgbClr>
-              </a:buClr>
-            </a:pPr>
-            <a:endParaRPr lang="en-US" altLang="zh-CN" sz="3219" i="1" dirty="0">
-              <a:solidFill>
-                <a:prstClr val="black"/>
-              </a:solidFill>
-              <a:latin typeface="Times New Roman" panose="02020603050405020304" pitchFamily="18" charset="0"/>
-              <a:ea typeface="宋体" charset="-122"/>
-              <a:cs typeface="Times New Roman" panose="02020603050405020304" pitchFamily="18" charset="0"/>
-            </a:endParaRPr>
-          </a:p>
-          <a:p>
-            <a:pPr marL="397467" lvl="1" indent="0" defTabSz="4200987">
-              <a:buClr>
-                <a:srgbClr val="003466">
-                  <a:lumMod val="60000"/>
-                  <a:lumOff val="40000"/>
-                </a:srgbClr>
-              </a:buClr>
-            </a:pPr>
+              <a:t>Speech emotion recognition (SER) is crucial for natural human-computer interaction</a:t>
+            </a:r>
             <a:endParaRPr lang="en-US" altLang="zh-CN" sz="3219" i="1" dirty="0">
               <a:solidFill>
                 <a:prstClr val="black"/>
@@ -4810,27 +4565,6 @@
             </a:endParaRPr>
           </a:p>
           <a:p>
-            <a:pPr marL="397467" lvl="1" indent="0" algn="ctr" defTabSz="4200987">
-              <a:buClr>
-                <a:srgbClr val="003466">
-                  <a:lumMod val="60000"/>
-                  <a:lumOff val="40000"/>
-                </a:srgbClr>
-              </a:buClr>
-            </a:pPr>
-            <a:r>
-              <a:rPr lang="en-US" altLang="zh-CN" sz="3219" i="1" dirty="0">
-                <a:solidFill>
-                  <a:prstClr val="black"/>
-                </a:solidFill>
-                <a:latin typeface="Times New Roman" panose="02020603050405020304" pitchFamily="18" charset="0"/>
-                <a:ea typeface="宋体" charset="-122"/>
-                <a:cs typeface="Times New Roman" panose="02020603050405020304" pitchFamily="18" charset="0"/>
-              </a:rPr>
-              <a:t>speech signal (a), lowpass filtered signal (b), EGG signal (c)</a:t>
-            </a:r>
-          </a:p>
-          <a:p>
             <a:pPr marL="517927" indent="-459976" algn="just" defTabSz="4200987">
               <a:buBlip>
                 <a:blip r:embed="rId5"/>
@@ -4867,183 +4601,7 @@
                 <a:ea typeface="宋体" charset="-122"/>
                 <a:cs typeface="Times New Roman" panose="02020603050405020304" pitchFamily="18" charset="0"/>
               </a:rPr>
-              <a:t>Data imbalance problem as GCIs</a:t>
-            </a:r>
-            <a:r>
-              <a:rPr lang="zh-CN" altLang="en-US" sz="3219" dirty="0">
-                <a:solidFill>
-                  <a:prstClr val="black"/>
-                </a:solidFill>
-                <a:latin typeface="Times New Roman" panose="02020603050405020304" pitchFamily="18" charset="0"/>
-                <a:ea typeface="宋体" charset="-122"/>
-                <a:cs typeface="Times New Roman" panose="02020603050405020304" pitchFamily="18" charset="0"/>
-              </a:rPr>
-              <a:t> </a:t>
-            </a:r>
-            <a:r>
-              <a:rPr lang="en-US" altLang="zh-CN" sz="3219" dirty="0">
-                <a:solidFill>
-                  <a:prstClr val="black"/>
-                </a:solidFill>
-                <a:latin typeface="Times New Roman" panose="02020603050405020304" pitchFamily="18" charset="0"/>
-                <a:ea typeface="宋体" charset="-122"/>
-                <a:cs typeface="Times New Roman" panose="02020603050405020304" pitchFamily="18" charset="0"/>
-              </a:rPr>
-              <a:t>are</a:t>
-            </a:r>
-            <a:r>
-              <a:rPr lang="zh-CN" altLang="en-US" sz="3219" dirty="0">
-                <a:solidFill>
-                  <a:prstClr val="black"/>
-                </a:solidFill>
-                <a:latin typeface="Times New Roman" panose="02020603050405020304" pitchFamily="18" charset="0"/>
-                <a:ea typeface="宋体" charset="-122"/>
-                <a:cs typeface="Times New Roman" panose="02020603050405020304" pitchFamily="18" charset="0"/>
-              </a:rPr>
-              <a:t> </a:t>
-            </a:r>
-            <a:r>
-              <a:rPr lang="en-US" altLang="zh-CN" sz="3219" dirty="0">
-                <a:solidFill>
-                  <a:prstClr val="black"/>
-                </a:solidFill>
-                <a:latin typeface="Times New Roman" panose="02020603050405020304" pitchFamily="18" charset="0"/>
-                <a:ea typeface="宋体" charset="-122"/>
-                <a:cs typeface="Times New Roman" panose="02020603050405020304" pitchFamily="18" charset="0"/>
-              </a:rPr>
-              <a:t>very</a:t>
-            </a:r>
-            <a:r>
-              <a:rPr lang="zh-CN" altLang="en-US" sz="3219" dirty="0">
-                <a:solidFill>
-                  <a:prstClr val="black"/>
-                </a:solidFill>
-                <a:latin typeface="Times New Roman" panose="02020603050405020304" pitchFamily="18" charset="0"/>
-                <a:ea typeface="宋体" charset="-122"/>
-                <a:cs typeface="Times New Roman" panose="02020603050405020304" pitchFamily="18" charset="0"/>
-              </a:rPr>
-              <a:t> </a:t>
-            </a:r>
-            <a:r>
-              <a:rPr lang="en-US" altLang="zh-CN" sz="3219" dirty="0">
-                <a:solidFill>
-                  <a:prstClr val="black"/>
-                </a:solidFill>
-                <a:latin typeface="Times New Roman" panose="02020603050405020304" pitchFamily="18" charset="0"/>
-                <a:ea typeface="宋体" charset="-122"/>
-                <a:cs typeface="Times New Roman" panose="02020603050405020304" pitchFamily="18" charset="0"/>
-              </a:rPr>
-              <a:t>rare</a:t>
-            </a:r>
-            <a:r>
-              <a:rPr lang="zh-CN" altLang="en-US" sz="3219" dirty="0">
-                <a:solidFill>
-                  <a:prstClr val="black"/>
-                </a:solidFill>
-                <a:latin typeface="Times New Roman" panose="02020603050405020304" pitchFamily="18" charset="0"/>
-                <a:ea typeface="宋体" charset="-122"/>
-                <a:cs typeface="Times New Roman" panose="02020603050405020304" pitchFamily="18" charset="0"/>
-              </a:rPr>
-              <a:t> </a:t>
-            </a:r>
-            <a:r>
-              <a:rPr lang="en-US" altLang="zh-CN" sz="3219" dirty="0">
-                <a:solidFill>
-                  <a:prstClr val="black"/>
-                </a:solidFill>
-                <a:latin typeface="Times New Roman" panose="02020603050405020304" pitchFamily="18" charset="0"/>
-                <a:ea typeface="宋体" charset="-122"/>
-                <a:cs typeface="Times New Roman" panose="02020603050405020304" pitchFamily="18" charset="0"/>
-              </a:rPr>
-              <a:t>events</a:t>
-            </a:r>
-            <a:r>
-              <a:rPr lang="zh-CN" altLang="en-US" sz="3219" dirty="0">
-                <a:solidFill>
-                  <a:prstClr val="black"/>
-                </a:solidFill>
-                <a:latin typeface="Times New Roman" panose="02020603050405020304" pitchFamily="18" charset="0"/>
-                <a:ea typeface="宋体" charset="-122"/>
-                <a:cs typeface="Times New Roman" panose="02020603050405020304" pitchFamily="18" charset="0"/>
-              </a:rPr>
-              <a:t> </a:t>
-            </a:r>
-            <a:r>
-              <a:rPr lang="en-US" altLang="zh-CN" sz="3219" dirty="0">
-                <a:solidFill>
-                  <a:prstClr val="black"/>
-                </a:solidFill>
-                <a:latin typeface="Times New Roman" panose="02020603050405020304" pitchFamily="18" charset="0"/>
-                <a:ea typeface="宋体" charset="-122"/>
-                <a:cs typeface="Times New Roman" panose="02020603050405020304" pitchFamily="18" charset="0"/>
-              </a:rPr>
-              <a:t>in</a:t>
-            </a:r>
-            <a:r>
-              <a:rPr lang="zh-CN" altLang="en-US" sz="3219" dirty="0">
-                <a:solidFill>
-                  <a:prstClr val="black"/>
-                </a:solidFill>
-                <a:latin typeface="Times New Roman" panose="02020603050405020304" pitchFamily="18" charset="0"/>
-                <a:ea typeface="宋体" charset="-122"/>
-                <a:cs typeface="Times New Roman" panose="02020603050405020304" pitchFamily="18" charset="0"/>
-              </a:rPr>
-              <a:t> </a:t>
-            </a:r>
-            <a:r>
-              <a:rPr lang="en-US" altLang="zh-CN" sz="3219" dirty="0">
-                <a:solidFill>
-                  <a:prstClr val="black"/>
-                </a:solidFill>
-                <a:latin typeface="Times New Roman" panose="02020603050405020304" pitchFamily="18" charset="0"/>
-                <a:ea typeface="宋体" charset="-122"/>
-                <a:cs typeface="Times New Roman" panose="02020603050405020304" pitchFamily="18" charset="0"/>
-              </a:rPr>
-              <a:t>raw</a:t>
-            </a:r>
-            <a:r>
-              <a:rPr lang="zh-CN" altLang="en-US" sz="3219" dirty="0">
-                <a:solidFill>
-                  <a:prstClr val="black"/>
-                </a:solidFill>
-                <a:latin typeface="Times New Roman" panose="02020603050405020304" pitchFamily="18" charset="0"/>
-                <a:ea typeface="宋体" charset="-122"/>
-                <a:cs typeface="Times New Roman" panose="02020603050405020304" pitchFamily="18" charset="0"/>
-              </a:rPr>
-              <a:t> </a:t>
-            </a:r>
-            <a:r>
-              <a:rPr lang="en-US" altLang="zh-CN" sz="3219" dirty="0">
-                <a:solidFill>
-                  <a:prstClr val="black"/>
-                </a:solidFill>
-                <a:latin typeface="Times New Roman" panose="02020603050405020304" pitchFamily="18" charset="0"/>
-                <a:ea typeface="宋体" charset="-122"/>
-                <a:cs typeface="Times New Roman" panose="02020603050405020304" pitchFamily="18" charset="0"/>
-              </a:rPr>
-              <a:t>speech</a:t>
-            </a:r>
-            <a:r>
-              <a:rPr lang="zh-CN" altLang="en-US" sz="3219" dirty="0">
-                <a:solidFill>
-                  <a:prstClr val="black"/>
-                </a:solidFill>
-                <a:latin typeface="Times New Roman" panose="02020603050405020304" pitchFamily="18" charset="0"/>
-                <a:ea typeface="宋体" charset="-122"/>
-                <a:cs typeface="Times New Roman" panose="02020603050405020304" pitchFamily="18" charset="0"/>
-              </a:rPr>
-              <a:t> </a:t>
-            </a:r>
-            <a:r>
-              <a:rPr lang="en-US" altLang="zh-CN" sz="3219" dirty="0">
-                <a:solidFill>
-                  <a:prstClr val="black"/>
-                </a:solidFill>
-                <a:latin typeface="Times New Roman" panose="02020603050405020304" pitchFamily="18" charset="0"/>
-                <a:ea typeface="宋体" charset="-122"/>
-                <a:cs typeface="Times New Roman" panose="02020603050405020304" pitchFamily="18" charset="0"/>
-              </a:rPr>
-              <a:t>signal </a:t>
+              <a:t>Emotions are naturally ambiguous</a:t>
             </a:r>
           </a:p>
           <a:p>
@@ -5085,163 +4643,7 @@
                 <a:ea typeface="宋体" charset="-122"/>
                 <a:cs typeface="Times New Roman" panose="02020603050405020304" pitchFamily="18" charset="0"/>
               </a:rPr>
-              <a:t>Divide the GCI</a:t>
-            </a:r>
-            <a:r>
-              <a:rPr lang="zh-CN" altLang="en-US" sz="3219" dirty="0">
-                <a:solidFill>
-                  <a:prstClr val="black"/>
-                </a:solidFill>
-                <a:latin typeface="Times New Roman" panose="02020603050405020304" pitchFamily="18" charset="0"/>
-                <a:ea typeface="宋体" charset="-122"/>
-                <a:cs typeface="Times New Roman" panose="02020603050405020304" pitchFamily="18" charset="0"/>
-              </a:rPr>
-              <a:t> </a:t>
-            </a:r>
-            <a:r>
-              <a:rPr lang="en-US" altLang="zh-CN" sz="3219" dirty="0">
-                <a:solidFill>
-                  <a:prstClr val="black"/>
-                </a:solidFill>
-                <a:latin typeface="Times New Roman" panose="02020603050405020304" pitchFamily="18" charset="0"/>
-                <a:ea typeface="宋体" charset="-122"/>
-                <a:cs typeface="Times New Roman" panose="02020603050405020304" pitchFamily="18" charset="0"/>
-              </a:rPr>
-              <a:t>detection</a:t>
-            </a:r>
-            <a:r>
-              <a:rPr lang="zh-CN" altLang="en-US" sz="3219" dirty="0">
-                <a:solidFill>
-                  <a:prstClr val="black"/>
-                </a:solidFill>
-                <a:latin typeface="Times New Roman" panose="02020603050405020304" pitchFamily="18" charset="0"/>
-                <a:ea typeface="宋体" charset="-122"/>
-                <a:cs typeface="Times New Roman" panose="02020603050405020304" pitchFamily="18" charset="0"/>
-              </a:rPr>
-              <a:t> </a:t>
-            </a:r>
-            <a:r>
-              <a:rPr lang="en-US" altLang="zh-CN" sz="3219" dirty="0">
-                <a:solidFill>
-                  <a:prstClr val="black"/>
-                </a:solidFill>
-                <a:latin typeface="Times New Roman" panose="02020603050405020304" pitchFamily="18" charset="0"/>
-                <a:ea typeface="宋体" charset="-122"/>
-                <a:cs typeface="Times New Roman" panose="02020603050405020304" pitchFamily="18" charset="0"/>
-              </a:rPr>
-              <a:t>procedure into two successive steps:</a:t>
-            </a:r>
-          </a:p>
-          <a:p>
-            <a:pPr marL="911225" lvl="1" indent="-206375" algn="just" defTabSz="4200987">
-              <a:buClr>
-                <a:srgbClr val="003466">
-                  <a:lumMod val="60000"/>
-                  <a:lumOff val="40000"/>
-                </a:srgbClr>
-              </a:buClr>
-              <a:buFont typeface="Wingdings" panose="05000000000000000000" pitchFamily="2" charset="2"/>
-              <a:buChar char="ü"/>
-            </a:pPr>
-            <a:r>
-              <a:rPr lang="en-US" altLang="zh-CN" sz="3219" dirty="0">
-                <a:solidFill>
-                  <a:prstClr val="black"/>
-                </a:solidFill>
-                <a:latin typeface="Times New Roman" panose="02020603050405020304" pitchFamily="18" charset="0"/>
-                <a:ea typeface="宋体" charset="-122"/>
-                <a:cs typeface="Times New Roman" panose="02020603050405020304" pitchFamily="18" charset="0"/>
-              </a:rPr>
-              <a:t>GCI</a:t>
-            </a:r>
-            <a:r>
-              <a:rPr lang="zh-CN" altLang="en-US" sz="3219" dirty="0">
-                <a:solidFill>
-                  <a:prstClr val="black"/>
-                </a:solidFill>
-                <a:latin typeface="Times New Roman" panose="02020603050405020304" pitchFamily="18" charset="0"/>
-                <a:ea typeface="宋体" charset="-122"/>
-                <a:cs typeface="Times New Roman" panose="02020603050405020304" pitchFamily="18" charset="0"/>
-              </a:rPr>
-              <a:t> </a:t>
-            </a:r>
-            <a:r>
-              <a:rPr lang="en-US" altLang="zh-CN" sz="3219" dirty="0">
-                <a:solidFill>
-                  <a:prstClr val="black"/>
-                </a:solidFill>
-                <a:latin typeface="Times New Roman" panose="02020603050405020304" pitchFamily="18" charset="0"/>
-                <a:ea typeface="宋体" charset="-122"/>
-                <a:cs typeface="Times New Roman" panose="02020603050405020304" pitchFamily="18" charset="0"/>
-              </a:rPr>
-              <a:t>candidates</a:t>
-            </a:r>
-            <a:r>
-              <a:rPr lang="zh-CN" altLang="en-US" sz="3219" dirty="0">
-                <a:solidFill>
-                  <a:prstClr val="black"/>
-                </a:solidFill>
-                <a:latin typeface="Times New Roman" panose="02020603050405020304" pitchFamily="18" charset="0"/>
-                <a:ea typeface="宋体" charset="-122"/>
-                <a:cs typeface="Times New Roman" panose="02020603050405020304" pitchFamily="18" charset="0"/>
-              </a:rPr>
-              <a:t> </a:t>
-            </a:r>
-            <a:r>
-              <a:rPr lang="en-US" altLang="zh-CN" sz="3219" dirty="0">
-                <a:solidFill>
-                  <a:prstClr val="black"/>
-                </a:solidFill>
-                <a:latin typeface="Times New Roman" panose="02020603050405020304" pitchFamily="18" charset="0"/>
-                <a:ea typeface="宋体" charset="-122"/>
-                <a:cs typeface="Times New Roman" panose="02020603050405020304" pitchFamily="18" charset="0"/>
-              </a:rPr>
-              <a:t>selection</a:t>
-            </a:r>
-          </a:p>
-          <a:p>
-            <a:pPr marL="911225" lvl="1" indent="-206375" algn="just" defTabSz="4200987">
-              <a:buClr>
-                <a:srgbClr val="003466">
-                  <a:lumMod val="60000"/>
-                  <a:lumOff val="40000"/>
-                </a:srgbClr>
-              </a:buClr>
-              <a:buFont typeface="Wingdings" panose="05000000000000000000" pitchFamily="2" charset="2"/>
-              <a:buChar char="ü"/>
-            </a:pPr>
-            <a:r>
-              <a:rPr lang="en-US" altLang="zh-CN" sz="3219" dirty="0">
-                <a:solidFill>
-                  <a:prstClr val="black"/>
-                </a:solidFill>
-                <a:latin typeface="Times New Roman" panose="02020603050405020304" pitchFamily="18" charset="0"/>
-                <a:ea typeface="宋体" charset="-122"/>
-                <a:cs typeface="Times New Roman" panose="02020603050405020304" pitchFamily="18" charset="0"/>
-              </a:rPr>
-              <a:t>GCI</a:t>
-            </a:r>
-            <a:r>
-              <a:rPr lang="zh-CN" altLang="en-US" sz="3219" dirty="0">
-                <a:solidFill>
-                  <a:prstClr val="black"/>
-                </a:solidFill>
-                <a:latin typeface="Times New Roman" panose="02020603050405020304" pitchFamily="18" charset="0"/>
-                <a:ea typeface="宋体" charset="-122"/>
-                <a:cs typeface="Times New Roman" panose="02020603050405020304" pitchFamily="18" charset="0"/>
-              </a:rPr>
-              <a:t> </a:t>
-            </a:r>
-            <a:r>
-              <a:rPr lang="en-US" altLang="zh-CN" sz="3219" dirty="0">
-                <a:solidFill>
-                  <a:prstClr val="black"/>
-                </a:solidFill>
-                <a:latin typeface="Times New Roman" panose="02020603050405020304" pitchFamily="18" charset="0"/>
-                <a:ea typeface="宋体" charset="-122"/>
-                <a:cs typeface="Times New Roman" panose="02020603050405020304" pitchFamily="18" charset="0"/>
-              </a:rPr>
-              <a:t>classification among GCI candidates </a:t>
+              <a:t>Introduce center loss in SER task to learn discriminative features</a:t>
             </a:r>
           </a:p>
           <a:p>
@@ -5264,29 +4666,7 @@
                 <a:ea typeface="宋体" charset="-122"/>
                 <a:cs typeface="Times New Roman" panose="02020603050405020304" pitchFamily="18" charset="0"/>
               </a:rPr>
-              <a:t>Propose using convolutional neural network</a:t>
-            </a:r>
-            <a:r>
-              <a:rPr lang="zh-CN" altLang="en-US" sz="3219" dirty="0">
-                <a:solidFill>
-                  <a:prstClr val="black"/>
-                </a:solidFill>
-                <a:latin typeface="Times New Roman" panose="02020603050405020304" pitchFamily="18" charset="0"/>
-                <a:ea typeface="宋体" charset="-122"/>
-                <a:cs typeface="Times New Roman" panose="02020603050405020304" pitchFamily="18" charset="0"/>
-              </a:rPr>
-              <a:t> </a:t>
-            </a:r>
-            <a:r>
-              <a:rPr lang="en-US" altLang="zh-CN" sz="3219" dirty="0">
-                <a:solidFill>
-                  <a:prstClr val="black"/>
-                </a:solidFill>
-                <a:latin typeface="Times New Roman" panose="02020603050405020304" pitchFamily="18" charset="0"/>
-                <a:ea typeface="宋体" charset="-122"/>
-                <a:cs typeface="Times New Roman" panose="02020603050405020304" pitchFamily="18" charset="0"/>
-              </a:rPr>
-              <a:t>(CNN) as classification model for GCI detection from raw speech waveform</a:t>
+              <a:t>Extract discriminative features and predict emotion in an end-to-end manner</a:t>
             </a:r>
           </a:p>
         </p:txBody>
@@ -6360,34 +5740,6 @@
           </a:p>
         </p:txBody>
       </p:sp>
-      <p:pic>
-        <p:nvPicPr>
-          <p:cNvPr id="73" name="图片 72">
-            <a:extLst>
-              <a:ext uri="{FF2B5EF4-FFF2-40B4-BE49-F238E27FC236}">
-                <a16:creationId xmlns:a16="http://schemas.microsoft.com/office/drawing/2014/main" id="{B64E230E-410C-7B4F-B582-90DE20AE4B1D}"/>
-              </a:ext>
-            </a:extLst>
-          </p:cNvPr>
-          <p:cNvPicPr/>
-          <p:nvPr/>
-        </p:nvPicPr>
-        <p:blipFill>
-          <a:blip r:embed="rId6"/>
-          <a:stretch>
-            <a:fillRect/>
-          </a:stretch>
-        </p:blipFill>
-        <p:spPr>
-          <a:xfrm>
-            <a:off x="805554" y="6239530"/>
-            <a:ext cx="12529739" cy="4841600"/>
-          </a:xfrm>
-          <a:prstGeom prst="rect">
-            <a:avLst/>
-          </a:prstGeom>
-        </p:spPr>
-      </p:pic>
       <p:sp>
         <p:nvSpPr>
           <p:cNvPr id="75" name="Rectangle 5">
@@ -6818,7 +6170,7 @@
           <p:nvPr/>
         </p:nvPicPr>
         <p:blipFill>
-          <a:blip r:embed="rId7"/>
+          <a:blip r:embed="rId6"/>
           <a:stretch>
             <a:fillRect/>
           </a:stretch>
@@ -7593,2484 +6945,6 @@
           </a:p>
         </p:txBody>
       </p:sp>
-      <p:graphicFrame>
-        <p:nvGraphicFramePr>
-          <p:cNvPr id="34" name="表格 33">
-            <a:extLst>
-              <a:ext uri="{FF2B5EF4-FFF2-40B4-BE49-F238E27FC236}">
-                <a16:creationId xmlns:a16="http://schemas.microsoft.com/office/drawing/2014/main" id="{96294B84-F18C-8E42-A5D9-36CD1AA78CA6}"/>
-              </a:ext>
-            </a:extLst>
-          </p:cNvPr>
-          <p:cNvGraphicFramePr>
-            <a:graphicFrameLocks noGrp="1"/>
-          </p:cNvGraphicFramePr>
-          <p:nvPr>
-            <p:extLst>
-              <p:ext uri="{D42A27DB-BD31-4B8C-83A1-F6EECF244321}">
-                <p14:modId xmlns:p14="http://schemas.microsoft.com/office/powerpoint/2010/main" val="3096344598"/>
-              </p:ext>
-            </p:extLst>
-          </p:nvPr>
-        </p:nvGraphicFramePr>
-        <p:xfrm>
-          <a:off x="33026970" y="5846214"/>
-          <a:ext cx="7031619" cy="9719496"/>
-        </p:xfrm>
-        <a:graphic>
-          <a:graphicData uri="http://schemas.openxmlformats.org/drawingml/2006/table">
-            <a:tbl>
-              <a:tblPr firstRow="1" firstCol="1" bandRow="1">
-                <a:tableStyleId>{9D7B26C5-4107-4FEC-AEDC-1716B250A1EF}</a:tableStyleId>
-              </a:tblPr>
-              <a:tblGrid>
-                <a:gridCol w="2344424">
-                  <a:extLst>
-                    <a:ext uri="{9D8B030D-6E8A-4147-A177-3AD203B41FA5}">
-                      <a16:colId xmlns:a16="http://schemas.microsoft.com/office/drawing/2014/main" val="1336545412"/>
-                    </a:ext>
-                  </a:extLst>
-                </a:gridCol>
-                <a:gridCol w="2107997">
-                  <a:extLst>
-                    <a:ext uri="{9D8B030D-6E8A-4147-A177-3AD203B41FA5}">
-                      <a16:colId xmlns:a16="http://schemas.microsoft.com/office/drawing/2014/main" val="209602968"/>
-                    </a:ext>
-                  </a:extLst>
-                </a:gridCol>
-                <a:gridCol w="1406985">
-                  <a:extLst>
-                    <a:ext uri="{9D8B030D-6E8A-4147-A177-3AD203B41FA5}">
-                      <a16:colId xmlns:a16="http://schemas.microsoft.com/office/drawing/2014/main" val="3107515132"/>
-                    </a:ext>
-                  </a:extLst>
-                </a:gridCol>
-                <a:gridCol w="1172213">
-                  <a:extLst>
-                    <a:ext uri="{9D8B030D-6E8A-4147-A177-3AD203B41FA5}">
-                      <a16:colId xmlns:a16="http://schemas.microsoft.com/office/drawing/2014/main" val="3362842514"/>
-                    </a:ext>
-                  </a:extLst>
-                </a:gridCol>
-              </a:tblGrid>
-              <a:tr h="1214937">
-                <a:tc>
-                  <a:txBody>
-                    <a:bodyPr/>
-                    <a:lstStyle/>
-                    <a:p>
-                      <a:pPr algn="ctr">
-                        <a:spcAft>
-                          <a:spcPts val="0"/>
-                        </a:spcAft>
-                      </a:pPr>
-                      <a:r>
-                        <a:rPr lang="en-US" sz="2400" dirty="0">
-                          <a:effectLst/>
-                        </a:rPr>
-                        <a:t>Layers</a:t>
-                      </a:r>
-                      <a:endParaRPr lang="zh-CN" sz="2400" dirty="0">
-                        <a:effectLst/>
-                        <a:latin typeface="Times New Roman" panose="02020603050405020304" pitchFamily="18" charset="0"/>
-                        <a:ea typeface="宋体" panose="02010600030101010101" pitchFamily="2" charset="-122"/>
-                      </a:endParaRPr>
-                    </a:p>
-                  </a:txBody>
-                  <a:tcPr marL="36195" marR="36195" marT="0" marB="0" anchor="ctr"/>
-                </a:tc>
-                <a:tc>
-                  <a:txBody>
-                    <a:bodyPr/>
-                    <a:lstStyle/>
-                    <a:p>
-                      <a:pPr algn="ctr">
-                        <a:spcAft>
-                          <a:spcPts val="0"/>
-                        </a:spcAft>
-                      </a:pPr>
-                      <a:r>
-                        <a:rPr lang="en-US" sz="2400">
-                          <a:effectLst/>
-                        </a:rPr>
-                        <a:t>Output shape</a:t>
-                      </a:r>
-                      <a:endParaRPr lang="zh-CN" sz="2400">
-                        <a:effectLst/>
-                      </a:endParaRPr>
-                    </a:p>
-                    <a:p>
-                      <a:pPr algn="ctr">
-                        <a:spcAft>
-                          <a:spcPts val="0"/>
-                        </a:spcAft>
-                      </a:pPr>
-                      <a:r>
-                        <a:rPr lang="en-US" sz="2400">
-                          <a:effectLst/>
-                        </a:rPr>
-                        <a:t>(channels *</a:t>
-                      </a:r>
-                      <a:endParaRPr lang="zh-CN" sz="2400">
-                        <a:effectLst/>
-                      </a:endParaRPr>
-                    </a:p>
-                    <a:p>
-                      <a:pPr algn="ctr">
-                        <a:spcAft>
-                          <a:spcPts val="0"/>
-                        </a:spcAft>
-                      </a:pPr>
-                      <a:r>
-                        <a:rPr lang="en-US" sz="2400">
-                          <a:effectLst/>
-                        </a:rPr>
-                        <a:t>time dimension)</a:t>
-                      </a:r>
-                      <a:endParaRPr lang="zh-CN" sz="2400">
-                        <a:effectLst/>
-                        <a:latin typeface="Times New Roman" panose="02020603050405020304" pitchFamily="18" charset="0"/>
-                        <a:ea typeface="宋体" panose="02010600030101010101" pitchFamily="2" charset="-122"/>
-                      </a:endParaRPr>
-                    </a:p>
-                  </a:txBody>
-                  <a:tcPr marL="0" marR="0" marT="0" marB="0" anchor="ctr"/>
-                </a:tc>
-                <a:tc>
-                  <a:txBody>
-                    <a:bodyPr/>
-                    <a:lstStyle/>
-                    <a:p>
-                      <a:pPr algn="ctr">
-                        <a:spcAft>
-                          <a:spcPts val="0"/>
-                        </a:spcAft>
-                      </a:pPr>
-                      <a:r>
-                        <a:rPr lang="en-US" sz="2400" dirty="0">
-                          <a:effectLst/>
-                        </a:rPr>
-                        <a:t>padding</a:t>
-                      </a:r>
-                      <a:endParaRPr lang="zh-CN" sz="2400" dirty="0">
-                        <a:effectLst/>
-                        <a:latin typeface="Times New Roman" panose="02020603050405020304" pitchFamily="18" charset="0"/>
-                        <a:ea typeface="宋体" panose="02010600030101010101" pitchFamily="2" charset="-122"/>
-                      </a:endParaRPr>
-                    </a:p>
-                  </a:txBody>
-                  <a:tcPr marL="36195" marR="36195" marT="0" marB="0" anchor="ctr"/>
-                </a:tc>
-                <a:tc>
-                  <a:txBody>
-                    <a:bodyPr/>
-                    <a:lstStyle/>
-                    <a:p>
-                      <a:pPr algn="ctr">
-                        <a:spcAft>
-                          <a:spcPts val="0"/>
-                        </a:spcAft>
-                      </a:pPr>
-                      <a:r>
-                        <a:rPr lang="en-US" sz="2400">
-                          <a:effectLst/>
-                        </a:rPr>
-                        <a:t>Kernel Size / Strides</a:t>
-                      </a:r>
-                      <a:endParaRPr lang="zh-CN" sz="2400">
-                        <a:effectLst/>
-                        <a:latin typeface="Times New Roman" panose="02020603050405020304" pitchFamily="18" charset="0"/>
-                        <a:ea typeface="宋体" panose="02010600030101010101" pitchFamily="2" charset="-122"/>
-                      </a:endParaRPr>
-                    </a:p>
-                  </a:txBody>
-                  <a:tcPr marL="36195" marR="36195" marT="0" marB="0" anchor="ctr"/>
-                </a:tc>
-                <a:extLst>
-                  <a:ext uri="{0D108BD9-81ED-4DB2-BD59-A6C34878D82A}">
-                    <a16:rowId xmlns:a16="http://schemas.microsoft.com/office/drawing/2014/main" val="1013386081"/>
-                  </a:ext>
-                </a:extLst>
-              </a:tr>
-              <a:tr h="404979">
-                <a:tc>
-                  <a:txBody>
-                    <a:bodyPr/>
-                    <a:lstStyle/>
-                    <a:p>
-                      <a:pPr algn="ctr">
-                        <a:spcAft>
-                          <a:spcPts val="0"/>
-                        </a:spcAft>
-                      </a:pPr>
-                      <a:r>
-                        <a:rPr lang="en-US" sz="2400" dirty="0">
-                          <a:effectLst/>
-                        </a:rPr>
-                        <a:t>Output</a:t>
-                      </a:r>
-                      <a:endParaRPr lang="zh-CN" sz="2400" dirty="0">
-                        <a:effectLst/>
-                        <a:latin typeface="Times New Roman" panose="02020603050405020304" pitchFamily="18" charset="0"/>
-                        <a:ea typeface="宋体" panose="02010600030101010101" pitchFamily="2" charset="-122"/>
-                      </a:endParaRPr>
-                    </a:p>
-                  </a:txBody>
-                  <a:tcPr marL="36195" marR="36195" marT="0" marB="0"/>
-                </a:tc>
-                <a:tc>
-                  <a:txBody>
-                    <a:bodyPr/>
-                    <a:lstStyle/>
-                    <a:p>
-                      <a:pPr algn="ctr">
-                        <a:spcAft>
-                          <a:spcPts val="0"/>
-                        </a:spcAft>
-                      </a:pPr>
-                      <a:r>
-                        <a:rPr lang="en-US" sz="2400">
-                          <a:effectLst/>
-                        </a:rPr>
-                        <a:t>2*1</a:t>
-                      </a:r>
-                      <a:endParaRPr lang="zh-CN" sz="2400">
-                        <a:effectLst/>
-                        <a:latin typeface="Times New Roman" panose="02020603050405020304" pitchFamily="18" charset="0"/>
-                        <a:ea typeface="宋体" panose="02010600030101010101" pitchFamily="2" charset="-122"/>
-                      </a:endParaRPr>
-                    </a:p>
-                  </a:txBody>
-                  <a:tcPr marL="36195" marR="36195" marT="0" marB="0"/>
-                </a:tc>
-                <a:tc>
-                  <a:txBody>
-                    <a:bodyPr/>
-                    <a:lstStyle/>
-                    <a:p>
-                      <a:pPr algn="ctr">
-                        <a:spcAft>
-                          <a:spcPts val="0"/>
-                        </a:spcAft>
-                      </a:pPr>
-                      <a:r>
-                        <a:rPr lang="en-US" sz="2400">
-                          <a:effectLst/>
-                        </a:rPr>
-                        <a:t> </a:t>
-                      </a:r>
-                      <a:endParaRPr lang="zh-CN" sz="2400">
-                        <a:effectLst/>
-                        <a:latin typeface="Times New Roman" panose="02020603050405020304" pitchFamily="18" charset="0"/>
-                        <a:ea typeface="宋体" panose="02010600030101010101" pitchFamily="2" charset="-122"/>
-                      </a:endParaRPr>
-                    </a:p>
-                  </a:txBody>
-                  <a:tcPr marL="36195" marR="36195" marT="0" marB="0"/>
-                </a:tc>
-                <a:tc>
-                  <a:txBody>
-                    <a:bodyPr/>
-                    <a:lstStyle/>
-                    <a:p>
-                      <a:pPr algn="ctr">
-                        <a:spcAft>
-                          <a:spcPts val="0"/>
-                        </a:spcAft>
-                      </a:pPr>
-                      <a:r>
-                        <a:rPr lang="en-US" sz="2400">
-                          <a:effectLst/>
-                        </a:rPr>
-                        <a:t> </a:t>
-                      </a:r>
-                      <a:endParaRPr lang="zh-CN" sz="2400">
-                        <a:effectLst/>
-                        <a:latin typeface="Times New Roman" panose="02020603050405020304" pitchFamily="18" charset="0"/>
-                        <a:ea typeface="宋体" panose="02010600030101010101" pitchFamily="2" charset="-122"/>
-                      </a:endParaRPr>
-                    </a:p>
-                  </a:txBody>
-                  <a:tcPr marL="36195" marR="36195" marT="0" marB="0"/>
-                </a:tc>
-                <a:extLst>
-                  <a:ext uri="{0D108BD9-81ED-4DB2-BD59-A6C34878D82A}">
-                    <a16:rowId xmlns:a16="http://schemas.microsoft.com/office/drawing/2014/main" val="1466013822"/>
-                  </a:ext>
-                </a:extLst>
-              </a:tr>
-              <a:tr h="404979">
-                <a:tc>
-                  <a:txBody>
-                    <a:bodyPr/>
-                    <a:lstStyle/>
-                    <a:p>
-                      <a:pPr algn="ctr">
-                        <a:spcAft>
-                          <a:spcPts val="0"/>
-                        </a:spcAft>
-                      </a:pPr>
-                      <a:r>
-                        <a:rPr lang="en-US" sz="2400" dirty="0">
-                          <a:effectLst/>
-                        </a:rPr>
-                        <a:t>Fully Connected</a:t>
-                      </a:r>
-                      <a:endParaRPr lang="zh-CN" sz="2400" dirty="0">
-                        <a:effectLst/>
-                        <a:latin typeface="Times New Roman" panose="02020603050405020304" pitchFamily="18" charset="0"/>
-                        <a:ea typeface="宋体" panose="02010600030101010101" pitchFamily="2" charset="-122"/>
-                      </a:endParaRPr>
-                    </a:p>
-                  </a:txBody>
-                  <a:tcPr marL="36195" marR="36195" marT="0" marB="0"/>
-                </a:tc>
-                <a:tc>
-                  <a:txBody>
-                    <a:bodyPr/>
-                    <a:lstStyle/>
-                    <a:p>
-                      <a:pPr algn="ctr">
-                        <a:spcAft>
-                          <a:spcPts val="0"/>
-                        </a:spcAft>
-                      </a:pPr>
-                      <a:r>
-                        <a:rPr lang="en-US" sz="2400">
-                          <a:effectLst/>
-                        </a:rPr>
-                        <a:t>64*1</a:t>
-                      </a:r>
-                      <a:endParaRPr lang="zh-CN" sz="2400">
-                        <a:effectLst/>
-                        <a:latin typeface="Times New Roman" panose="02020603050405020304" pitchFamily="18" charset="0"/>
-                        <a:ea typeface="宋体" panose="02010600030101010101" pitchFamily="2" charset="-122"/>
-                      </a:endParaRPr>
-                    </a:p>
-                  </a:txBody>
-                  <a:tcPr marL="36195" marR="36195" marT="0" marB="0"/>
-                </a:tc>
-                <a:tc>
-                  <a:txBody>
-                    <a:bodyPr/>
-                    <a:lstStyle/>
-                    <a:p>
-                      <a:pPr algn="ctr">
-                        <a:spcAft>
-                          <a:spcPts val="0"/>
-                        </a:spcAft>
-                      </a:pPr>
-                      <a:r>
-                        <a:rPr lang="en-US" sz="2400" dirty="0">
-                          <a:effectLst/>
-                        </a:rPr>
-                        <a:t> </a:t>
-                      </a:r>
-                      <a:endParaRPr lang="zh-CN" sz="2400" dirty="0">
-                        <a:effectLst/>
-                        <a:latin typeface="Times New Roman" panose="02020603050405020304" pitchFamily="18" charset="0"/>
-                        <a:ea typeface="宋体" panose="02010600030101010101" pitchFamily="2" charset="-122"/>
-                      </a:endParaRPr>
-                    </a:p>
-                  </a:txBody>
-                  <a:tcPr marL="36195" marR="36195" marT="0" marB="0"/>
-                </a:tc>
-                <a:tc>
-                  <a:txBody>
-                    <a:bodyPr/>
-                    <a:lstStyle/>
-                    <a:p>
-                      <a:pPr algn="ctr">
-                        <a:spcAft>
-                          <a:spcPts val="0"/>
-                        </a:spcAft>
-                      </a:pPr>
-                      <a:r>
-                        <a:rPr lang="en-US" sz="2400">
-                          <a:effectLst/>
-                        </a:rPr>
-                        <a:t> </a:t>
-                      </a:r>
-                      <a:endParaRPr lang="zh-CN" sz="2400">
-                        <a:effectLst/>
-                        <a:latin typeface="Times New Roman" panose="02020603050405020304" pitchFamily="18" charset="0"/>
-                        <a:ea typeface="宋体" panose="02010600030101010101" pitchFamily="2" charset="-122"/>
-                      </a:endParaRPr>
-                    </a:p>
-                  </a:txBody>
-                  <a:tcPr marL="36195" marR="36195" marT="0" marB="0"/>
-                </a:tc>
-                <a:extLst>
-                  <a:ext uri="{0D108BD9-81ED-4DB2-BD59-A6C34878D82A}">
-                    <a16:rowId xmlns:a16="http://schemas.microsoft.com/office/drawing/2014/main" val="3628479195"/>
-                  </a:ext>
-                </a:extLst>
-              </a:tr>
-              <a:tr h="404979">
-                <a:tc>
-                  <a:txBody>
-                    <a:bodyPr/>
-                    <a:lstStyle/>
-                    <a:p>
-                      <a:pPr algn="ctr">
-                        <a:spcAft>
-                          <a:spcPts val="0"/>
-                        </a:spcAft>
-                      </a:pPr>
-                      <a:r>
-                        <a:rPr lang="en-US" sz="2400" dirty="0">
-                          <a:effectLst/>
-                        </a:rPr>
-                        <a:t>Max_Pool_9</a:t>
-                      </a:r>
-                      <a:endParaRPr lang="zh-CN" sz="2400" dirty="0">
-                        <a:effectLst/>
-                        <a:latin typeface="Times New Roman" panose="02020603050405020304" pitchFamily="18" charset="0"/>
-                        <a:ea typeface="宋体" panose="02010600030101010101" pitchFamily="2" charset="-122"/>
-                      </a:endParaRPr>
-                    </a:p>
-                  </a:txBody>
-                  <a:tcPr marL="36195" marR="36195" marT="0" marB="0"/>
-                </a:tc>
-                <a:tc>
-                  <a:txBody>
-                    <a:bodyPr/>
-                    <a:lstStyle/>
-                    <a:p>
-                      <a:pPr algn="ctr">
-                        <a:spcAft>
-                          <a:spcPts val="0"/>
-                        </a:spcAft>
-                      </a:pPr>
-                      <a:r>
-                        <a:rPr lang="en-US" sz="2400">
-                          <a:effectLst/>
-                        </a:rPr>
-                        <a:t>512*1</a:t>
-                      </a:r>
-                      <a:endParaRPr lang="zh-CN" sz="2400">
-                        <a:effectLst/>
-                        <a:latin typeface="Times New Roman" panose="02020603050405020304" pitchFamily="18" charset="0"/>
-                        <a:ea typeface="宋体" panose="02010600030101010101" pitchFamily="2" charset="-122"/>
-                      </a:endParaRPr>
-                    </a:p>
-                  </a:txBody>
-                  <a:tcPr marL="36195" marR="36195" marT="0" marB="0"/>
-                </a:tc>
-                <a:tc>
-                  <a:txBody>
-                    <a:bodyPr/>
-                    <a:lstStyle/>
-                    <a:p>
-                      <a:pPr algn="ctr">
-                        <a:spcAft>
-                          <a:spcPts val="0"/>
-                        </a:spcAft>
-                      </a:pPr>
-                      <a:r>
-                        <a:rPr lang="en-US" sz="2400">
-                          <a:effectLst/>
-                        </a:rPr>
-                        <a:t>same</a:t>
-                      </a:r>
-                      <a:endParaRPr lang="zh-CN" sz="2400">
-                        <a:effectLst/>
-                        <a:latin typeface="Times New Roman" panose="02020603050405020304" pitchFamily="18" charset="0"/>
-                        <a:ea typeface="宋体" panose="02010600030101010101" pitchFamily="2" charset="-122"/>
-                      </a:endParaRPr>
-                    </a:p>
-                  </a:txBody>
-                  <a:tcPr marL="36195" marR="36195" marT="0" marB="0"/>
-                </a:tc>
-                <a:tc>
-                  <a:txBody>
-                    <a:bodyPr/>
-                    <a:lstStyle/>
-                    <a:p>
-                      <a:pPr algn="ctr">
-                        <a:spcAft>
-                          <a:spcPts val="0"/>
-                        </a:spcAft>
-                      </a:pPr>
-                      <a:r>
-                        <a:rPr lang="en-US" sz="2400">
-                          <a:effectLst/>
-                        </a:rPr>
-                        <a:t>1*3 / 2</a:t>
-                      </a:r>
-                      <a:endParaRPr lang="zh-CN" sz="2400">
-                        <a:effectLst/>
-                        <a:latin typeface="Times New Roman" panose="02020603050405020304" pitchFamily="18" charset="0"/>
-                        <a:ea typeface="宋体" panose="02010600030101010101" pitchFamily="2" charset="-122"/>
-                      </a:endParaRPr>
-                    </a:p>
-                  </a:txBody>
-                  <a:tcPr marL="36195" marR="36195" marT="0" marB="0"/>
-                </a:tc>
-                <a:extLst>
-                  <a:ext uri="{0D108BD9-81ED-4DB2-BD59-A6C34878D82A}">
-                    <a16:rowId xmlns:a16="http://schemas.microsoft.com/office/drawing/2014/main" val="1507082463"/>
-                  </a:ext>
-                </a:extLst>
-              </a:tr>
-              <a:tr h="404979">
-                <a:tc>
-                  <a:txBody>
-                    <a:bodyPr/>
-                    <a:lstStyle/>
-                    <a:p>
-                      <a:pPr algn="ctr">
-                        <a:spcAft>
-                          <a:spcPts val="0"/>
-                        </a:spcAft>
-                      </a:pPr>
-                      <a:r>
-                        <a:rPr lang="en-US" sz="2400" dirty="0">
-                          <a:effectLst/>
-                        </a:rPr>
-                        <a:t>Conv_9</a:t>
-                      </a:r>
-                      <a:endParaRPr lang="zh-CN" sz="2400" dirty="0">
-                        <a:effectLst/>
-                        <a:latin typeface="Times New Roman" panose="02020603050405020304" pitchFamily="18" charset="0"/>
-                        <a:ea typeface="宋体" panose="02010600030101010101" pitchFamily="2" charset="-122"/>
-                      </a:endParaRPr>
-                    </a:p>
-                  </a:txBody>
-                  <a:tcPr marL="36195" marR="36195" marT="0" marB="0"/>
-                </a:tc>
-                <a:tc>
-                  <a:txBody>
-                    <a:bodyPr/>
-                    <a:lstStyle/>
-                    <a:p>
-                      <a:pPr algn="ctr">
-                        <a:spcAft>
-                          <a:spcPts val="0"/>
-                        </a:spcAft>
-                      </a:pPr>
-                      <a:r>
-                        <a:rPr lang="en-US" sz="2400">
-                          <a:effectLst/>
-                        </a:rPr>
-                        <a:t>512*2</a:t>
-                      </a:r>
-                      <a:endParaRPr lang="zh-CN" sz="2400">
-                        <a:effectLst/>
-                        <a:latin typeface="Times New Roman" panose="02020603050405020304" pitchFamily="18" charset="0"/>
-                        <a:ea typeface="宋体" panose="02010600030101010101" pitchFamily="2" charset="-122"/>
-                      </a:endParaRPr>
-                    </a:p>
-                  </a:txBody>
-                  <a:tcPr marL="36195" marR="36195" marT="0" marB="0"/>
-                </a:tc>
-                <a:tc>
-                  <a:txBody>
-                    <a:bodyPr/>
-                    <a:lstStyle/>
-                    <a:p>
-                      <a:pPr algn="ctr">
-                        <a:spcAft>
-                          <a:spcPts val="0"/>
-                        </a:spcAft>
-                      </a:pPr>
-                      <a:r>
-                        <a:rPr lang="en-US" sz="2400">
-                          <a:effectLst/>
-                        </a:rPr>
-                        <a:t>same</a:t>
-                      </a:r>
-                      <a:endParaRPr lang="zh-CN" sz="2400">
-                        <a:effectLst/>
-                        <a:latin typeface="Times New Roman" panose="02020603050405020304" pitchFamily="18" charset="0"/>
-                        <a:ea typeface="宋体" panose="02010600030101010101" pitchFamily="2" charset="-122"/>
-                      </a:endParaRPr>
-                    </a:p>
-                  </a:txBody>
-                  <a:tcPr marL="36195" marR="36195" marT="0" marB="0"/>
-                </a:tc>
-                <a:tc>
-                  <a:txBody>
-                    <a:bodyPr/>
-                    <a:lstStyle/>
-                    <a:p>
-                      <a:pPr algn="ctr">
-                        <a:spcAft>
-                          <a:spcPts val="0"/>
-                        </a:spcAft>
-                      </a:pPr>
-                      <a:r>
-                        <a:rPr lang="en-US" sz="2400">
-                          <a:effectLst/>
-                        </a:rPr>
-                        <a:t>1*3 / 1</a:t>
-                      </a:r>
-                      <a:endParaRPr lang="zh-CN" sz="2400">
-                        <a:effectLst/>
-                        <a:latin typeface="Times New Roman" panose="02020603050405020304" pitchFamily="18" charset="0"/>
-                        <a:ea typeface="宋体" panose="02010600030101010101" pitchFamily="2" charset="-122"/>
-                      </a:endParaRPr>
-                    </a:p>
-                  </a:txBody>
-                  <a:tcPr marL="36195" marR="36195" marT="0" marB="0"/>
-                </a:tc>
-                <a:extLst>
-                  <a:ext uri="{0D108BD9-81ED-4DB2-BD59-A6C34878D82A}">
-                    <a16:rowId xmlns:a16="http://schemas.microsoft.com/office/drawing/2014/main" val="1154581997"/>
-                  </a:ext>
-                </a:extLst>
-              </a:tr>
-              <a:tr h="404979">
-                <a:tc>
-                  <a:txBody>
-                    <a:bodyPr/>
-                    <a:lstStyle/>
-                    <a:p>
-                      <a:pPr algn="ctr">
-                        <a:spcAft>
-                          <a:spcPts val="0"/>
-                        </a:spcAft>
-                      </a:pPr>
-                      <a:r>
-                        <a:rPr lang="en-US" sz="2400" dirty="0">
-                          <a:effectLst/>
-                        </a:rPr>
-                        <a:t>Max_Pool_8</a:t>
-                      </a:r>
-                      <a:endParaRPr lang="zh-CN" sz="2400" dirty="0">
-                        <a:effectLst/>
-                        <a:latin typeface="Times New Roman" panose="02020603050405020304" pitchFamily="18" charset="0"/>
-                        <a:ea typeface="宋体" panose="02010600030101010101" pitchFamily="2" charset="-122"/>
-                      </a:endParaRPr>
-                    </a:p>
-                  </a:txBody>
-                  <a:tcPr marL="36195" marR="36195" marT="0" marB="0"/>
-                </a:tc>
-                <a:tc>
-                  <a:txBody>
-                    <a:bodyPr/>
-                    <a:lstStyle/>
-                    <a:p>
-                      <a:pPr algn="ctr">
-                        <a:spcAft>
-                          <a:spcPts val="0"/>
-                        </a:spcAft>
-                      </a:pPr>
-                      <a:r>
-                        <a:rPr lang="en-US" sz="2400">
-                          <a:effectLst/>
-                        </a:rPr>
-                        <a:t>512*2</a:t>
-                      </a:r>
-                      <a:endParaRPr lang="zh-CN" sz="2400">
-                        <a:effectLst/>
-                        <a:latin typeface="Times New Roman" panose="02020603050405020304" pitchFamily="18" charset="0"/>
-                        <a:ea typeface="宋体" panose="02010600030101010101" pitchFamily="2" charset="-122"/>
-                      </a:endParaRPr>
-                    </a:p>
-                  </a:txBody>
-                  <a:tcPr marL="36195" marR="36195" marT="0" marB="0"/>
-                </a:tc>
-                <a:tc>
-                  <a:txBody>
-                    <a:bodyPr/>
-                    <a:lstStyle/>
-                    <a:p>
-                      <a:pPr algn="ctr">
-                        <a:spcAft>
-                          <a:spcPts val="0"/>
-                        </a:spcAft>
-                      </a:pPr>
-                      <a:r>
-                        <a:rPr lang="en-US" sz="2400">
-                          <a:effectLst/>
-                        </a:rPr>
-                        <a:t>same</a:t>
-                      </a:r>
-                      <a:endParaRPr lang="zh-CN" sz="2400">
-                        <a:effectLst/>
-                        <a:latin typeface="Times New Roman" panose="02020603050405020304" pitchFamily="18" charset="0"/>
-                        <a:ea typeface="宋体" panose="02010600030101010101" pitchFamily="2" charset="-122"/>
-                      </a:endParaRPr>
-                    </a:p>
-                  </a:txBody>
-                  <a:tcPr marL="36195" marR="36195" marT="0" marB="0"/>
-                </a:tc>
-                <a:tc>
-                  <a:txBody>
-                    <a:bodyPr/>
-                    <a:lstStyle/>
-                    <a:p>
-                      <a:pPr algn="ctr">
-                        <a:spcAft>
-                          <a:spcPts val="0"/>
-                        </a:spcAft>
-                      </a:pPr>
-                      <a:r>
-                        <a:rPr lang="en-US" sz="2400">
-                          <a:effectLst/>
-                        </a:rPr>
-                        <a:t>1*3 / 2</a:t>
-                      </a:r>
-                      <a:endParaRPr lang="zh-CN" sz="2400">
-                        <a:effectLst/>
-                        <a:latin typeface="Times New Roman" panose="02020603050405020304" pitchFamily="18" charset="0"/>
-                        <a:ea typeface="宋体" panose="02010600030101010101" pitchFamily="2" charset="-122"/>
-                      </a:endParaRPr>
-                    </a:p>
-                  </a:txBody>
-                  <a:tcPr marL="36195" marR="36195" marT="0" marB="0"/>
-                </a:tc>
-                <a:extLst>
-                  <a:ext uri="{0D108BD9-81ED-4DB2-BD59-A6C34878D82A}">
-                    <a16:rowId xmlns:a16="http://schemas.microsoft.com/office/drawing/2014/main" val="1578421919"/>
-                  </a:ext>
-                </a:extLst>
-              </a:tr>
-              <a:tr h="404979">
-                <a:tc>
-                  <a:txBody>
-                    <a:bodyPr/>
-                    <a:lstStyle/>
-                    <a:p>
-                      <a:pPr algn="ctr">
-                        <a:spcAft>
-                          <a:spcPts val="0"/>
-                        </a:spcAft>
-                      </a:pPr>
-                      <a:r>
-                        <a:rPr lang="en-US" sz="2400" dirty="0">
-                          <a:effectLst/>
-                        </a:rPr>
-                        <a:t>Conv_8</a:t>
-                      </a:r>
-                      <a:endParaRPr lang="zh-CN" sz="2400" dirty="0">
-                        <a:effectLst/>
-                        <a:latin typeface="Times New Roman" panose="02020603050405020304" pitchFamily="18" charset="0"/>
-                        <a:ea typeface="宋体" panose="02010600030101010101" pitchFamily="2" charset="-122"/>
-                      </a:endParaRPr>
-                    </a:p>
-                  </a:txBody>
-                  <a:tcPr marL="36195" marR="36195" marT="0" marB="0"/>
-                </a:tc>
-                <a:tc>
-                  <a:txBody>
-                    <a:bodyPr/>
-                    <a:lstStyle/>
-                    <a:p>
-                      <a:pPr algn="ctr">
-                        <a:spcAft>
-                          <a:spcPts val="0"/>
-                        </a:spcAft>
-                      </a:pPr>
-                      <a:r>
-                        <a:rPr lang="en-US" sz="2400" dirty="0">
-                          <a:effectLst/>
-                        </a:rPr>
-                        <a:t>512*4</a:t>
-                      </a:r>
-                      <a:endParaRPr lang="zh-CN" sz="2400" dirty="0">
-                        <a:effectLst/>
-                        <a:latin typeface="Times New Roman" panose="02020603050405020304" pitchFamily="18" charset="0"/>
-                        <a:ea typeface="宋体" panose="02010600030101010101" pitchFamily="2" charset="-122"/>
-                      </a:endParaRPr>
-                    </a:p>
-                  </a:txBody>
-                  <a:tcPr marL="36195" marR="36195" marT="0" marB="0"/>
-                </a:tc>
-                <a:tc>
-                  <a:txBody>
-                    <a:bodyPr/>
-                    <a:lstStyle/>
-                    <a:p>
-                      <a:pPr algn="ctr">
-                        <a:spcAft>
-                          <a:spcPts val="0"/>
-                        </a:spcAft>
-                      </a:pPr>
-                      <a:r>
-                        <a:rPr lang="en-US" sz="2400">
-                          <a:effectLst/>
-                        </a:rPr>
-                        <a:t>same</a:t>
-                      </a:r>
-                      <a:endParaRPr lang="zh-CN" sz="2400">
-                        <a:effectLst/>
-                        <a:latin typeface="Times New Roman" panose="02020603050405020304" pitchFamily="18" charset="0"/>
-                        <a:ea typeface="宋体" panose="02010600030101010101" pitchFamily="2" charset="-122"/>
-                      </a:endParaRPr>
-                    </a:p>
-                  </a:txBody>
-                  <a:tcPr marL="36195" marR="36195" marT="0" marB="0"/>
-                </a:tc>
-                <a:tc>
-                  <a:txBody>
-                    <a:bodyPr/>
-                    <a:lstStyle/>
-                    <a:p>
-                      <a:pPr algn="ctr">
-                        <a:spcAft>
-                          <a:spcPts val="0"/>
-                        </a:spcAft>
-                      </a:pPr>
-                      <a:r>
-                        <a:rPr lang="en-US" sz="2400">
-                          <a:effectLst/>
-                        </a:rPr>
-                        <a:t>1*3 / 1</a:t>
-                      </a:r>
-                      <a:endParaRPr lang="zh-CN" sz="2400">
-                        <a:effectLst/>
-                        <a:latin typeface="Times New Roman" panose="02020603050405020304" pitchFamily="18" charset="0"/>
-                        <a:ea typeface="宋体" panose="02010600030101010101" pitchFamily="2" charset="-122"/>
-                      </a:endParaRPr>
-                    </a:p>
-                  </a:txBody>
-                  <a:tcPr marL="36195" marR="36195" marT="0" marB="0"/>
-                </a:tc>
-                <a:extLst>
-                  <a:ext uri="{0D108BD9-81ED-4DB2-BD59-A6C34878D82A}">
-                    <a16:rowId xmlns:a16="http://schemas.microsoft.com/office/drawing/2014/main" val="1081068210"/>
-                  </a:ext>
-                </a:extLst>
-              </a:tr>
-              <a:tr h="404979">
-                <a:tc>
-                  <a:txBody>
-                    <a:bodyPr/>
-                    <a:lstStyle/>
-                    <a:p>
-                      <a:pPr algn="ctr">
-                        <a:spcAft>
-                          <a:spcPts val="0"/>
-                        </a:spcAft>
-                      </a:pPr>
-                      <a:r>
-                        <a:rPr lang="en-US" sz="2400" dirty="0">
-                          <a:effectLst/>
-                        </a:rPr>
-                        <a:t>Max_Pool_7</a:t>
-                      </a:r>
-                      <a:endParaRPr lang="zh-CN" sz="2400" dirty="0">
-                        <a:effectLst/>
-                        <a:latin typeface="Times New Roman" panose="02020603050405020304" pitchFamily="18" charset="0"/>
-                        <a:ea typeface="宋体" panose="02010600030101010101" pitchFamily="2" charset="-122"/>
-                      </a:endParaRPr>
-                    </a:p>
-                  </a:txBody>
-                  <a:tcPr marL="36195" marR="36195" marT="0" marB="0"/>
-                </a:tc>
-                <a:tc>
-                  <a:txBody>
-                    <a:bodyPr/>
-                    <a:lstStyle/>
-                    <a:p>
-                      <a:pPr algn="ctr">
-                        <a:spcAft>
-                          <a:spcPts val="0"/>
-                        </a:spcAft>
-                      </a:pPr>
-                      <a:r>
-                        <a:rPr lang="en-US" sz="2400" dirty="0">
-                          <a:effectLst/>
-                        </a:rPr>
-                        <a:t>512*4</a:t>
-                      </a:r>
-                      <a:endParaRPr lang="zh-CN" sz="2400" dirty="0">
-                        <a:effectLst/>
-                        <a:latin typeface="Times New Roman" panose="02020603050405020304" pitchFamily="18" charset="0"/>
-                        <a:ea typeface="宋体" panose="02010600030101010101" pitchFamily="2" charset="-122"/>
-                      </a:endParaRPr>
-                    </a:p>
-                  </a:txBody>
-                  <a:tcPr marL="36195" marR="36195" marT="0" marB="0"/>
-                </a:tc>
-                <a:tc>
-                  <a:txBody>
-                    <a:bodyPr/>
-                    <a:lstStyle/>
-                    <a:p>
-                      <a:pPr algn="ctr">
-                        <a:spcAft>
-                          <a:spcPts val="0"/>
-                        </a:spcAft>
-                      </a:pPr>
-                      <a:r>
-                        <a:rPr lang="en-US" sz="2400">
-                          <a:effectLst/>
-                        </a:rPr>
-                        <a:t>same</a:t>
-                      </a:r>
-                      <a:endParaRPr lang="zh-CN" sz="2400">
-                        <a:effectLst/>
-                        <a:latin typeface="Times New Roman" panose="02020603050405020304" pitchFamily="18" charset="0"/>
-                        <a:ea typeface="宋体" panose="02010600030101010101" pitchFamily="2" charset="-122"/>
-                      </a:endParaRPr>
-                    </a:p>
-                  </a:txBody>
-                  <a:tcPr marL="36195" marR="36195" marT="0" marB="0"/>
-                </a:tc>
-                <a:tc>
-                  <a:txBody>
-                    <a:bodyPr/>
-                    <a:lstStyle/>
-                    <a:p>
-                      <a:pPr algn="ctr">
-                        <a:spcAft>
-                          <a:spcPts val="0"/>
-                        </a:spcAft>
-                      </a:pPr>
-                      <a:r>
-                        <a:rPr lang="en-US" sz="2400">
-                          <a:effectLst/>
-                        </a:rPr>
-                        <a:t>1*3 / 2</a:t>
-                      </a:r>
-                      <a:endParaRPr lang="zh-CN" sz="2400">
-                        <a:effectLst/>
-                        <a:latin typeface="Times New Roman" panose="02020603050405020304" pitchFamily="18" charset="0"/>
-                        <a:ea typeface="宋体" panose="02010600030101010101" pitchFamily="2" charset="-122"/>
-                      </a:endParaRPr>
-                    </a:p>
-                  </a:txBody>
-                  <a:tcPr marL="36195" marR="36195" marT="0" marB="0"/>
-                </a:tc>
-                <a:extLst>
-                  <a:ext uri="{0D108BD9-81ED-4DB2-BD59-A6C34878D82A}">
-                    <a16:rowId xmlns:a16="http://schemas.microsoft.com/office/drawing/2014/main" val="427142265"/>
-                  </a:ext>
-                </a:extLst>
-              </a:tr>
-              <a:tr h="404979">
-                <a:tc>
-                  <a:txBody>
-                    <a:bodyPr/>
-                    <a:lstStyle/>
-                    <a:p>
-                      <a:pPr algn="ctr">
-                        <a:spcAft>
-                          <a:spcPts val="0"/>
-                        </a:spcAft>
-                      </a:pPr>
-                      <a:r>
-                        <a:rPr lang="en-US" sz="2400" dirty="0">
-                          <a:effectLst/>
-                        </a:rPr>
-                        <a:t>Conv_7</a:t>
-                      </a:r>
-                      <a:endParaRPr lang="zh-CN" sz="2400" dirty="0">
-                        <a:effectLst/>
-                        <a:latin typeface="Times New Roman" panose="02020603050405020304" pitchFamily="18" charset="0"/>
-                        <a:ea typeface="宋体" panose="02010600030101010101" pitchFamily="2" charset="-122"/>
-                      </a:endParaRPr>
-                    </a:p>
-                  </a:txBody>
-                  <a:tcPr marL="36195" marR="36195" marT="0" marB="0"/>
-                </a:tc>
-                <a:tc>
-                  <a:txBody>
-                    <a:bodyPr/>
-                    <a:lstStyle/>
-                    <a:p>
-                      <a:pPr algn="ctr">
-                        <a:spcAft>
-                          <a:spcPts val="0"/>
-                        </a:spcAft>
-                      </a:pPr>
-                      <a:r>
-                        <a:rPr lang="en-US" sz="2400" dirty="0">
-                          <a:effectLst/>
-                        </a:rPr>
-                        <a:t>512*8</a:t>
-                      </a:r>
-                      <a:endParaRPr lang="zh-CN" sz="2400" dirty="0">
-                        <a:effectLst/>
-                        <a:latin typeface="Times New Roman" panose="02020603050405020304" pitchFamily="18" charset="0"/>
-                        <a:ea typeface="宋体" panose="02010600030101010101" pitchFamily="2" charset="-122"/>
-                      </a:endParaRPr>
-                    </a:p>
-                  </a:txBody>
-                  <a:tcPr marL="36195" marR="36195" marT="0" marB="0"/>
-                </a:tc>
-                <a:tc>
-                  <a:txBody>
-                    <a:bodyPr/>
-                    <a:lstStyle/>
-                    <a:p>
-                      <a:pPr algn="ctr">
-                        <a:spcAft>
-                          <a:spcPts val="0"/>
-                        </a:spcAft>
-                      </a:pPr>
-                      <a:r>
-                        <a:rPr lang="en-US" sz="2400" dirty="0">
-                          <a:effectLst/>
-                        </a:rPr>
-                        <a:t>same</a:t>
-                      </a:r>
-                      <a:endParaRPr lang="zh-CN" sz="2400" dirty="0">
-                        <a:effectLst/>
-                        <a:latin typeface="Times New Roman" panose="02020603050405020304" pitchFamily="18" charset="0"/>
-                        <a:ea typeface="宋体" panose="02010600030101010101" pitchFamily="2" charset="-122"/>
-                      </a:endParaRPr>
-                    </a:p>
-                  </a:txBody>
-                  <a:tcPr marL="36195" marR="36195" marT="0" marB="0"/>
-                </a:tc>
-                <a:tc>
-                  <a:txBody>
-                    <a:bodyPr/>
-                    <a:lstStyle/>
-                    <a:p>
-                      <a:pPr algn="ctr">
-                        <a:spcAft>
-                          <a:spcPts val="0"/>
-                        </a:spcAft>
-                      </a:pPr>
-                      <a:r>
-                        <a:rPr lang="en-US" sz="2400">
-                          <a:effectLst/>
-                        </a:rPr>
-                        <a:t>1*3 / 1</a:t>
-                      </a:r>
-                      <a:endParaRPr lang="zh-CN" sz="2400">
-                        <a:effectLst/>
-                        <a:latin typeface="Times New Roman" panose="02020603050405020304" pitchFamily="18" charset="0"/>
-                        <a:ea typeface="宋体" panose="02010600030101010101" pitchFamily="2" charset="-122"/>
-                      </a:endParaRPr>
-                    </a:p>
-                  </a:txBody>
-                  <a:tcPr marL="36195" marR="36195" marT="0" marB="0"/>
-                </a:tc>
-                <a:extLst>
-                  <a:ext uri="{0D108BD9-81ED-4DB2-BD59-A6C34878D82A}">
-                    <a16:rowId xmlns:a16="http://schemas.microsoft.com/office/drawing/2014/main" val="168704565"/>
-                  </a:ext>
-                </a:extLst>
-              </a:tr>
-              <a:tr h="404979">
-                <a:tc>
-                  <a:txBody>
-                    <a:bodyPr/>
-                    <a:lstStyle/>
-                    <a:p>
-                      <a:pPr algn="ctr">
-                        <a:spcAft>
-                          <a:spcPts val="0"/>
-                        </a:spcAft>
-                      </a:pPr>
-                      <a:r>
-                        <a:rPr lang="en-US" sz="2400">
-                          <a:effectLst/>
-                        </a:rPr>
-                        <a:t>Max_Pool_6</a:t>
-                      </a:r>
-                      <a:endParaRPr lang="zh-CN" sz="2400">
-                        <a:effectLst/>
-                        <a:latin typeface="Times New Roman" panose="02020603050405020304" pitchFamily="18" charset="0"/>
-                        <a:ea typeface="宋体" panose="02010600030101010101" pitchFamily="2" charset="-122"/>
-                      </a:endParaRPr>
-                    </a:p>
-                  </a:txBody>
-                  <a:tcPr marL="36195" marR="36195" marT="0" marB="0"/>
-                </a:tc>
-                <a:tc>
-                  <a:txBody>
-                    <a:bodyPr/>
-                    <a:lstStyle/>
-                    <a:p>
-                      <a:pPr algn="ctr">
-                        <a:spcAft>
-                          <a:spcPts val="0"/>
-                        </a:spcAft>
-                      </a:pPr>
-                      <a:r>
-                        <a:rPr lang="en-US" sz="2400" dirty="0">
-                          <a:effectLst/>
-                        </a:rPr>
-                        <a:t>512*8</a:t>
-                      </a:r>
-                      <a:endParaRPr lang="zh-CN" sz="2400" dirty="0">
-                        <a:effectLst/>
-                        <a:latin typeface="Times New Roman" panose="02020603050405020304" pitchFamily="18" charset="0"/>
-                        <a:ea typeface="宋体" panose="02010600030101010101" pitchFamily="2" charset="-122"/>
-                      </a:endParaRPr>
-                    </a:p>
-                  </a:txBody>
-                  <a:tcPr marL="36195" marR="36195" marT="0" marB="0"/>
-                </a:tc>
-                <a:tc>
-                  <a:txBody>
-                    <a:bodyPr/>
-                    <a:lstStyle/>
-                    <a:p>
-                      <a:pPr algn="ctr">
-                        <a:spcAft>
-                          <a:spcPts val="0"/>
-                        </a:spcAft>
-                      </a:pPr>
-                      <a:r>
-                        <a:rPr lang="en-US" sz="2400" dirty="0">
-                          <a:effectLst/>
-                        </a:rPr>
-                        <a:t>same</a:t>
-                      </a:r>
-                      <a:endParaRPr lang="zh-CN" sz="2400" dirty="0">
-                        <a:effectLst/>
-                        <a:latin typeface="Times New Roman" panose="02020603050405020304" pitchFamily="18" charset="0"/>
-                        <a:ea typeface="宋体" panose="02010600030101010101" pitchFamily="2" charset="-122"/>
-                      </a:endParaRPr>
-                    </a:p>
-                  </a:txBody>
-                  <a:tcPr marL="36195" marR="36195" marT="0" marB="0"/>
-                </a:tc>
-                <a:tc>
-                  <a:txBody>
-                    <a:bodyPr/>
-                    <a:lstStyle/>
-                    <a:p>
-                      <a:pPr algn="ctr">
-                        <a:spcAft>
-                          <a:spcPts val="0"/>
-                        </a:spcAft>
-                      </a:pPr>
-                      <a:r>
-                        <a:rPr lang="en-US" sz="2400">
-                          <a:effectLst/>
-                        </a:rPr>
-                        <a:t>1*3 / 2</a:t>
-                      </a:r>
-                      <a:endParaRPr lang="zh-CN" sz="2400">
-                        <a:effectLst/>
-                        <a:latin typeface="Times New Roman" panose="02020603050405020304" pitchFamily="18" charset="0"/>
-                        <a:ea typeface="宋体" panose="02010600030101010101" pitchFamily="2" charset="-122"/>
-                      </a:endParaRPr>
-                    </a:p>
-                  </a:txBody>
-                  <a:tcPr marL="36195" marR="36195" marT="0" marB="0"/>
-                </a:tc>
-                <a:extLst>
-                  <a:ext uri="{0D108BD9-81ED-4DB2-BD59-A6C34878D82A}">
-                    <a16:rowId xmlns:a16="http://schemas.microsoft.com/office/drawing/2014/main" val="1423527047"/>
-                  </a:ext>
-                </a:extLst>
-              </a:tr>
-              <a:tr h="404979">
-                <a:tc>
-                  <a:txBody>
-                    <a:bodyPr/>
-                    <a:lstStyle/>
-                    <a:p>
-                      <a:pPr algn="ctr">
-                        <a:spcAft>
-                          <a:spcPts val="0"/>
-                        </a:spcAft>
-                      </a:pPr>
-                      <a:r>
-                        <a:rPr lang="en-US" sz="2400" dirty="0">
-                          <a:effectLst/>
-                        </a:rPr>
-                        <a:t>Conv_6</a:t>
-                      </a:r>
-                      <a:endParaRPr lang="zh-CN" sz="2400" dirty="0">
-                        <a:effectLst/>
-                        <a:latin typeface="Times New Roman" panose="02020603050405020304" pitchFamily="18" charset="0"/>
-                        <a:ea typeface="宋体" panose="02010600030101010101" pitchFamily="2" charset="-122"/>
-                      </a:endParaRPr>
-                    </a:p>
-                  </a:txBody>
-                  <a:tcPr marL="36195" marR="36195" marT="0" marB="0"/>
-                </a:tc>
-                <a:tc>
-                  <a:txBody>
-                    <a:bodyPr/>
-                    <a:lstStyle/>
-                    <a:p>
-                      <a:pPr algn="ctr">
-                        <a:spcAft>
-                          <a:spcPts val="0"/>
-                        </a:spcAft>
-                      </a:pPr>
-                      <a:r>
-                        <a:rPr lang="en-US" sz="2400">
-                          <a:effectLst/>
-                        </a:rPr>
-                        <a:t>512*16</a:t>
-                      </a:r>
-                      <a:endParaRPr lang="zh-CN" sz="2400">
-                        <a:effectLst/>
-                        <a:latin typeface="Times New Roman" panose="02020603050405020304" pitchFamily="18" charset="0"/>
-                        <a:ea typeface="宋体" panose="02010600030101010101" pitchFamily="2" charset="-122"/>
-                      </a:endParaRPr>
-                    </a:p>
-                  </a:txBody>
-                  <a:tcPr marL="36195" marR="36195" marT="0" marB="0"/>
-                </a:tc>
-                <a:tc>
-                  <a:txBody>
-                    <a:bodyPr/>
-                    <a:lstStyle/>
-                    <a:p>
-                      <a:pPr algn="ctr">
-                        <a:spcAft>
-                          <a:spcPts val="0"/>
-                        </a:spcAft>
-                      </a:pPr>
-                      <a:r>
-                        <a:rPr lang="en-US" sz="2400">
-                          <a:effectLst/>
-                        </a:rPr>
-                        <a:t>same</a:t>
-                      </a:r>
-                      <a:endParaRPr lang="zh-CN" sz="2400">
-                        <a:effectLst/>
-                        <a:latin typeface="Times New Roman" panose="02020603050405020304" pitchFamily="18" charset="0"/>
-                        <a:ea typeface="宋体" panose="02010600030101010101" pitchFamily="2" charset="-122"/>
-                      </a:endParaRPr>
-                    </a:p>
-                  </a:txBody>
-                  <a:tcPr marL="36195" marR="36195" marT="0" marB="0"/>
-                </a:tc>
-                <a:tc>
-                  <a:txBody>
-                    <a:bodyPr/>
-                    <a:lstStyle/>
-                    <a:p>
-                      <a:pPr algn="ctr">
-                        <a:spcAft>
-                          <a:spcPts val="0"/>
-                        </a:spcAft>
-                      </a:pPr>
-                      <a:r>
-                        <a:rPr lang="en-US" sz="2400">
-                          <a:effectLst/>
-                        </a:rPr>
-                        <a:t>1*3 / 1</a:t>
-                      </a:r>
-                      <a:endParaRPr lang="zh-CN" sz="2400">
-                        <a:effectLst/>
-                        <a:latin typeface="Times New Roman" panose="02020603050405020304" pitchFamily="18" charset="0"/>
-                        <a:ea typeface="宋体" panose="02010600030101010101" pitchFamily="2" charset="-122"/>
-                      </a:endParaRPr>
-                    </a:p>
-                  </a:txBody>
-                  <a:tcPr marL="36195" marR="36195" marT="0" marB="0"/>
-                </a:tc>
-                <a:extLst>
-                  <a:ext uri="{0D108BD9-81ED-4DB2-BD59-A6C34878D82A}">
-                    <a16:rowId xmlns:a16="http://schemas.microsoft.com/office/drawing/2014/main" val="2057246135"/>
-                  </a:ext>
-                </a:extLst>
-              </a:tr>
-              <a:tr h="404979">
-                <a:tc>
-                  <a:txBody>
-                    <a:bodyPr/>
-                    <a:lstStyle/>
-                    <a:p>
-                      <a:pPr algn="ctr">
-                        <a:spcAft>
-                          <a:spcPts val="0"/>
-                        </a:spcAft>
-                      </a:pPr>
-                      <a:r>
-                        <a:rPr lang="en-US" sz="2400" dirty="0">
-                          <a:effectLst/>
-                        </a:rPr>
-                        <a:t>Max_Pool_5</a:t>
-                      </a:r>
-                      <a:endParaRPr lang="zh-CN" sz="2400" dirty="0">
-                        <a:effectLst/>
-                        <a:latin typeface="Times New Roman" panose="02020603050405020304" pitchFamily="18" charset="0"/>
-                        <a:ea typeface="宋体" panose="02010600030101010101" pitchFamily="2" charset="-122"/>
-                      </a:endParaRPr>
-                    </a:p>
-                  </a:txBody>
-                  <a:tcPr marL="36195" marR="36195" marT="0" marB="0"/>
-                </a:tc>
-                <a:tc>
-                  <a:txBody>
-                    <a:bodyPr/>
-                    <a:lstStyle/>
-                    <a:p>
-                      <a:pPr algn="ctr">
-                        <a:spcAft>
-                          <a:spcPts val="0"/>
-                        </a:spcAft>
-                      </a:pPr>
-                      <a:r>
-                        <a:rPr lang="en-US" sz="2400" dirty="0">
-                          <a:effectLst/>
-                        </a:rPr>
-                        <a:t>256*16</a:t>
-                      </a:r>
-                      <a:endParaRPr lang="zh-CN" sz="2400" dirty="0">
-                        <a:effectLst/>
-                        <a:latin typeface="Times New Roman" panose="02020603050405020304" pitchFamily="18" charset="0"/>
-                        <a:ea typeface="宋体" panose="02010600030101010101" pitchFamily="2" charset="-122"/>
-                      </a:endParaRPr>
-                    </a:p>
-                  </a:txBody>
-                  <a:tcPr marL="36195" marR="36195" marT="0" marB="0"/>
-                </a:tc>
-                <a:tc>
-                  <a:txBody>
-                    <a:bodyPr/>
-                    <a:lstStyle/>
-                    <a:p>
-                      <a:pPr algn="ctr">
-                        <a:spcAft>
-                          <a:spcPts val="0"/>
-                        </a:spcAft>
-                      </a:pPr>
-                      <a:r>
-                        <a:rPr lang="en-US" sz="2400">
-                          <a:effectLst/>
-                        </a:rPr>
-                        <a:t>same</a:t>
-                      </a:r>
-                      <a:endParaRPr lang="zh-CN" sz="2400">
-                        <a:effectLst/>
-                        <a:latin typeface="Times New Roman" panose="02020603050405020304" pitchFamily="18" charset="0"/>
-                        <a:ea typeface="宋体" panose="02010600030101010101" pitchFamily="2" charset="-122"/>
-                      </a:endParaRPr>
-                    </a:p>
-                  </a:txBody>
-                  <a:tcPr marL="36195" marR="36195" marT="0" marB="0"/>
-                </a:tc>
-                <a:tc>
-                  <a:txBody>
-                    <a:bodyPr/>
-                    <a:lstStyle/>
-                    <a:p>
-                      <a:pPr algn="ctr">
-                        <a:spcAft>
-                          <a:spcPts val="0"/>
-                        </a:spcAft>
-                      </a:pPr>
-                      <a:r>
-                        <a:rPr lang="en-US" sz="2400">
-                          <a:effectLst/>
-                        </a:rPr>
-                        <a:t>1*3 / 2</a:t>
-                      </a:r>
-                      <a:endParaRPr lang="zh-CN" sz="2400">
-                        <a:effectLst/>
-                        <a:latin typeface="Times New Roman" panose="02020603050405020304" pitchFamily="18" charset="0"/>
-                        <a:ea typeface="宋体" panose="02010600030101010101" pitchFamily="2" charset="-122"/>
-                      </a:endParaRPr>
-                    </a:p>
-                  </a:txBody>
-                  <a:tcPr marL="36195" marR="36195" marT="0" marB="0"/>
-                </a:tc>
-                <a:extLst>
-                  <a:ext uri="{0D108BD9-81ED-4DB2-BD59-A6C34878D82A}">
-                    <a16:rowId xmlns:a16="http://schemas.microsoft.com/office/drawing/2014/main" val="1691097860"/>
-                  </a:ext>
-                </a:extLst>
-              </a:tr>
-              <a:tr h="404979">
-                <a:tc>
-                  <a:txBody>
-                    <a:bodyPr/>
-                    <a:lstStyle/>
-                    <a:p>
-                      <a:pPr algn="ctr">
-                        <a:spcAft>
-                          <a:spcPts val="0"/>
-                        </a:spcAft>
-                      </a:pPr>
-                      <a:r>
-                        <a:rPr lang="en-US" sz="2400">
-                          <a:effectLst/>
-                        </a:rPr>
-                        <a:t>Conv_5</a:t>
-                      </a:r>
-                      <a:endParaRPr lang="zh-CN" sz="2400">
-                        <a:effectLst/>
-                        <a:latin typeface="Times New Roman" panose="02020603050405020304" pitchFamily="18" charset="0"/>
-                        <a:ea typeface="宋体" panose="02010600030101010101" pitchFamily="2" charset="-122"/>
-                      </a:endParaRPr>
-                    </a:p>
-                  </a:txBody>
-                  <a:tcPr marL="36195" marR="36195" marT="0" marB="0"/>
-                </a:tc>
-                <a:tc>
-                  <a:txBody>
-                    <a:bodyPr/>
-                    <a:lstStyle/>
-                    <a:p>
-                      <a:pPr algn="ctr">
-                        <a:spcAft>
-                          <a:spcPts val="0"/>
-                        </a:spcAft>
-                      </a:pPr>
-                      <a:r>
-                        <a:rPr lang="en-US" sz="2400" dirty="0">
-                          <a:effectLst/>
-                        </a:rPr>
-                        <a:t>256*31</a:t>
-                      </a:r>
-                      <a:endParaRPr lang="zh-CN" sz="2400" dirty="0">
-                        <a:effectLst/>
-                        <a:latin typeface="Times New Roman" panose="02020603050405020304" pitchFamily="18" charset="0"/>
-                        <a:ea typeface="宋体" panose="02010600030101010101" pitchFamily="2" charset="-122"/>
-                      </a:endParaRPr>
-                    </a:p>
-                  </a:txBody>
-                  <a:tcPr marL="36195" marR="36195" marT="0" marB="0"/>
-                </a:tc>
-                <a:tc>
-                  <a:txBody>
-                    <a:bodyPr/>
-                    <a:lstStyle/>
-                    <a:p>
-                      <a:pPr algn="ctr">
-                        <a:spcAft>
-                          <a:spcPts val="0"/>
-                        </a:spcAft>
-                      </a:pPr>
-                      <a:r>
-                        <a:rPr lang="en-US" sz="2400">
-                          <a:effectLst/>
-                        </a:rPr>
-                        <a:t>same</a:t>
-                      </a:r>
-                      <a:endParaRPr lang="zh-CN" sz="2400">
-                        <a:effectLst/>
-                        <a:latin typeface="Times New Roman" panose="02020603050405020304" pitchFamily="18" charset="0"/>
-                        <a:ea typeface="宋体" panose="02010600030101010101" pitchFamily="2" charset="-122"/>
-                      </a:endParaRPr>
-                    </a:p>
-                  </a:txBody>
-                  <a:tcPr marL="36195" marR="36195" marT="0" marB="0"/>
-                </a:tc>
-                <a:tc>
-                  <a:txBody>
-                    <a:bodyPr/>
-                    <a:lstStyle/>
-                    <a:p>
-                      <a:pPr algn="ctr">
-                        <a:spcAft>
-                          <a:spcPts val="0"/>
-                        </a:spcAft>
-                      </a:pPr>
-                      <a:r>
-                        <a:rPr lang="en-US" sz="2400">
-                          <a:effectLst/>
-                        </a:rPr>
-                        <a:t>1*3 / 1</a:t>
-                      </a:r>
-                      <a:endParaRPr lang="zh-CN" sz="2400">
-                        <a:effectLst/>
-                        <a:latin typeface="Times New Roman" panose="02020603050405020304" pitchFamily="18" charset="0"/>
-                        <a:ea typeface="宋体" panose="02010600030101010101" pitchFamily="2" charset="-122"/>
-                      </a:endParaRPr>
-                    </a:p>
-                  </a:txBody>
-                  <a:tcPr marL="36195" marR="36195" marT="0" marB="0"/>
-                </a:tc>
-                <a:extLst>
-                  <a:ext uri="{0D108BD9-81ED-4DB2-BD59-A6C34878D82A}">
-                    <a16:rowId xmlns:a16="http://schemas.microsoft.com/office/drawing/2014/main" val="655413895"/>
-                  </a:ext>
-                </a:extLst>
-              </a:tr>
-              <a:tr h="404979">
-                <a:tc>
-                  <a:txBody>
-                    <a:bodyPr/>
-                    <a:lstStyle/>
-                    <a:p>
-                      <a:pPr algn="ctr">
-                        <a:spcAft>
-                          <a:spcPts val="0"/>
-                        </a:spcAft>
-                      </a:pPr>
-                      <a:r>
-                        <a:rPr lang="en-US" sz="2400">
-                          <a:effectLst/>
-                        </a:rPr>
-                        <a:t>Max_Pool_4</a:t>
-                      </a:r>
-                      <a:endParaRPr lang="zh-CN" sz="2400">
-                        <a:effectLst/>
-                        <a:latin typeface="Times New Roman" panose="02020603050405020304" pitchFamily="18" charset="0"/>
-                        <a:ea typeface="宋体" panose="02010600030101010101" pitchFamily="2" charset="-122"/>
-                      </a:endParaRPr>
-                    </a:p>
-                  </a:txBody>
-                  <a:tcPr marL="36195" marR="36195" marT="0" marB="0"/>
-                </a:tc>
-                <a:tc>
-                  <a:txBody>
-                    <a:bodyPr/>
-                    <a:lstStyle/>
-                    <a:p>
-                      <a:pPr algn="ctr">
-                        <a:spcAft>
-                          <a:spcPts val="0"/>
-                        </a:spcAft>
-                      </a:pPr>
-                      <a:r>
-                        <a:rPr lang="en-US" sz="2400" dirty="0">
-                          <a:effectLst/>
-                        </a:rPr>
-                        <a:t>128*31</a:t>
-                      </a:r>
-                      <a:endParaRPr lang="zh-CN" sz="2400" dirty="0">
-                        <a:effectLst/>
-                        <a:latin typeface="Times New Roman" panose="02020603050405020304" pitchFamily="18" charset="0"/>
-                        <a:ea typeface="宋体" panose="02010600030101010101" pitchFamily="2" charset="-122"/>
-                      </a:endParaRPr>
-                    </a:p>
-                  </a:txBody>
-                  <a:tcPr marL="36195" marR="36195" marT="0" marB="0"/>
-                </a:tc>
-                <a:tc>
-                  <a:txBody>
-                    <a:bodyPr/>
-                    <a:lstStyle/>
-                    <a:p>
-                      <a:pPr algn="ctr">
-                        <a:spcAft>
-                          <a:spcPts val="0"/>
-                        </a:spcAft>
-                      </a:pPr>
-                      <a:r>
-                        <a:rPr lang="en-US" sz="2400">
-                          <a:effectLst/>
-                        </a:rPr>
-                        <a:t>same</a:t>
-                      </a:r>
-                      <a:endParaRPr lang="zh-CN" sz="2400">
-                        <a:effectLst/>
-                        <a:latin typeface="Times New Roman" panose="02020603050405020304" pitchFamily="18" charset="0"/>
-                        <a:ea typeface="宋体" panose="02010600030101010101" pitchFamily="2" charset="-122"/>
-                      </a:endParaRPr>
-                    </a:p>
-                  </a:txBody>
-                  <a:tcPr marL="36195" marR="36195" marT="0" marB="0"/>
-                </a:tc>
-                <a:tc>
-                  <a:txBody>
-                    <a:bodyPr/>
-                    <a:lstStyle/>
-                    <a:p>
-                      <a:pPr algn="ctr">
-                        <a:spcAft>
-                          <a:spcPts val="0"/>
-                        </a:spcAft>
-                      </a:pPr>
-                      <a:r>
-                        <a:rPr lang="en-US" sz="2400">
-                          <a:effectLst/>
-                        </a:rPr>
-                        <a:t>1*3 / 2</a:t>
-                      </a:r>
-                      <a:endParaRPr lang="zh-CN" sz="2400">
-                        <a:effectLst/>
-                        <a:latin typeface="Times New Roman" panose="02020603050405020304" pitchFamily="18" charset="0"/>
-                        <a:ea typeface="宋体" panose="02010600030101010101" pitchFamily="2" charset="-122"/>
-                      </a:endParaRPr>
-                    </a:p>
-                  </a:txBody>
-                  <a:tcPr marL="36195" marR="36195" marT="0" marB="0"/>
-                </a:tc>
-                <a:extLst>
-                  <a:ext uri="{0D108BD9-81ED-4DB2-BD59-A6C34878D82A}">
-                    <a16:rowId xmlns:a16="http://schemas.microsoft.com/office/drawing/2014/main" val="2299550393"/>
-                  </a:ext>
-                </a:extLst>
-              </a:tr>
-              <a:tr h="404979">
-                <a:tc>
-                  <a:txBody>
-                    <a:bodyPr/>
-                    <a:lstStyle/>
-                    <a:p>
-                      <a:pPr algn="ctr">
-                        <a:spcAft>
-                          <a:spcPts val="0"/>
-                        </a:spcAft>
-                      </a:pPr>
-                      <a:r>
-                        <a:rPr lang="en-US" sz="2400">
-                          <a:effectLst/>
-                        </a:rPr>
-                        <a:t>Conv_4</a:t>
-                      </a:r>
-                      <a:endParaRPr lang="zh-CN" sz="2400">
-                        <a:effectLst/>
-                        <a:latin typeface="Times New Roman" panose="02020603050405020304" pitchFamily="18" charset="0"/>
-                        <a:ea typeface="宋体" panose="02010600030101010101" pitchFamily="2" charset="-122"/>
-                      </a:endParaRPr>
-                    </a:p>
-                  </a:txBody>
-                  <a:tcPr marL="36195" marR="36195" marT="0" marB="0"/>
-                </a:tc>
-                <a:tc>
-                  <a:txBody>
-                    <a:bodyPr/>
-                    <a:lstStyle/>
-                    <a:p>
-                      <a:pPr algn="ctr">
-                        <a:spcAft>
-                          <a:spcPts val="0"/>
-                        </a:spcAft>
-                      </a:pPr>
-                      <a:r>
-                        <a:rPr lang="en-US" sz="2400" dirty="0">
-                          <a:effectLst/>
-                        </a:rPr>
-                        <a:t>128*61</a:t>
-                      </a:r>
-                      <a:endParaRPr lang="zh-CN" sz="2400" dirty="0">
-                        <a:effectLst/>
-                        <a:latin typeface="Times New Roman" panose="02020603050405020304" pitchFamily="18" charset="0"/>
-                        <a:ea typeface="宋体" panose="02010600030101010101" pitchFamily="2" charset="-122"/>
-                      </a:endParaRPr>
-                    </a:p>
-                  </a:txBody>
-                  <a:tcPr marL="36195" marR="36195" marT="0" marB="0"/>
-                </a:tc>
-                <a:tc>
-                  <a:txBody>
-                    <a:bodyPr/>
-                    <a:lstStyle/>
-                    <a:p>
-                      <a:pPr algn="ctr">
-                        <a:spcAft>
-                          <a:spcPts val="0"/>
-                        </a:spcAft>
-                      </a:pPr>
-                      <a:r>
-                        <a:rPr lang="en-US" sz="2400">
-                          <a:effectLst/>
-                        </a:rPr>
-                        <a:t>same</a:t>
-                      </a:r>
-                      <a:endParaRPr lang="zh-CN" sz="2400">
-                        <a:effectLst/>
-                        <a:latin typeface="Times New Roman" panose="02020603050405020304" pitchFamily="18" charset="0"/>
-                        <a:ea typeface="宋体" panose="02010600030101010101" pitchFamily="2" charset="-122"/>
-                      </a:endParaRPr>
-                    </a:p>
-                  </a:txBody>
-                  <a:tcPr marL="36195" marR="36195" marT="0" marB="0"/>
-                </a:tc>
-                <a:tc>
-                  <a:txBody>
-                    <a:bodyPr/>
-                    <a:lstStyle/>
-                    <a:p>
-                      <a:pPr algn="ctr">
-                        <a:spcAft>
-                          <a:spcPts val="0"/>
-                        </a:spcAft>
-                      </a:pPr>
-                      <a:r>
-                        <a:rPr lang="en-US" sz="2400">
-                          <a:effectLst/>
-                        </a:rPr>
-                        <a:t>1*3 / 1</a:t>
-                      </a:r>
-                      <a:endParaRPr lang="zh-CN" sz="2400">
-                        <a:effectLst/>
-                        <a:latin typeface="Times New Roman" panose="02020603050405020304" pitchFamily="18" charset="0"/>
-                        <a:ea typeface="宋体" panose="02010600030101010101" pitchFamily="2" charset="-122"/>
-                      </a:endParaRPr>
-                    </a:p>
-                  </a:txBody>
-                  <a:tcPr marL="36195" marR="36195" marT="0" marB="0"/>
-                </a:tc>
-                <a:extLst>
-                  <a:ext uri="{0D108BD9-81ED-4DB2-BD59-A6C34878D82A}">
-                    <a16:rowId xmlns:a16="http://schemas.microsoft.com/office/drawing/2014/main" val="2549211301"/>
-                  </a:ext>
-                </a:extLst>
-              </a:tr>
-              <a:tr h="404979">
-                <a:tc>
-                  <a:txBody>
-                    <a:bodyPr/>
-                    <a:lstStyle/>
-                    <a:p>
-                      <a:pPr algn="ctr">
-                        <a:spcAft>
-                          <a:spcPts val="0"/>
-                        </a:spcAft>
-                      </a:pPr>
-                      <a:r>
-                        <a:rPr lang="en-US" sz="2400">
-                          <a:effectLst/>
-                        </a:rPr>
-                        <a:t>Max_Pool_3</a:t>
-                      </a:r>
-                      <a:endParaRPr lang="zh-CN" sz="2400">
-                        <a:effectLst/>
-                        <a:latin typeface="Times New Roman" panose="02020603050405020304" pitchFamily="18" charset="0"/>
-                        <a:ea typeface="宋体" panose="02010600030101010101" pitchFamily="2" charset="-122"/>
-                      </a:endParaRPr>
-                    </a:p>
-                  </a:txBody>
-                  <a:tcPr marL="36195" marR="36195" marT="0" marB="0"/>
-                </a:tc>
-                <a:tc>
-                  <a:txBody>
-                    <a:bodyPr/>
-                    <a:lstStyle/>
-                    <a:p>
-                      <a:pPr algn="ctr">
-                        <a:spcAft>
-                          <a:spcPts val="0"/>
-                        </a:spcAft>
-                      </a:pPr>
-                      <a:r>
-                        <a:rPr lang="en-US" sz="2400" dirty="0">
-                          <a:effectLst/>
-                        </a:rPr>
-                        <a:t>64*61</a:t>
-                      </a:r>
-                      <a:endParaRPr lang="zh-CN" sz="2400" dirty="0">
-                        <a:effectLst/>
-                        <a:latin typeface="Times New Roman" panose="02020603050405020304" pitchFamily="18" charset="0"/>
-                        <a:ea typeface="宋体" panose="02010600030101010101" pitchFamily="2" charset="-122"/>
-                      </a:endParaRPr>
-                    </a:p>
-                  </a:txBody>
-                  <a:tcPr marL="36195" marR="36195" marT="0" marB="0"/>
-                </a:tc>
-                <a:tc>
-                  <a:txBody>
-                    <a:bodyPr/>
-                    <a:lstStyle/>
-                    <a:p>
-                      <a:pPr algn="ctr">
-                        <a:spcAft>
-                          <a:spcPts val="0"/>
-                        </a:spcAft>
-                      </a:pPr>
-                      <a:r>
-                        <a:rPr lang="en-US" sz="2400">
-                          <a:effectLst/>
-                        </a:rPr>
-                        <a:t>same</a:t>
-                      </a:r>
-                      <a:endParaRPr lang="zh-CN" sz="2400">
-                        <a:effectLst/>
-                        <a:latin typeface="Times New Roman" panose="02020603050405020304" pitchFamily="18" charset="0"/>
-                        <a:ea typeface="宋体" panose="02010600030101010101" pitchFamily="2" charset="-122"/>
-                      </a:endParaRPr>
-                    </a:p>
-                  </a:txBody>
-                  <a:tcPr marL="36195" marR="36195" marT="0" marB="0"/>
-                </a:tc>
-                <a:tc>
-                  <a:txBody>
-                    <a:bodyPr/>
-                    <a:lstStyle/>
-                    <a:p>
-                      <a:pPr algn="ctr">
-                        <a:spcAft>
-                          <a:spcPts val="0"/>
-                        </a:spcAft>
-                      </a:pPr>
-                      <a:r>
-                        <a:rPr lang="en-US" sz="2400">
-                          <a:effectLst/>
-                        </a:rPr>
-                        <a:t>1*3 / 2</a:t>
-                      </a:r>
-                      <a:endParaRPr lang="zh-CN" sz="2400">
-                        <a:effectLst/>
-                        <a:latin typeface="Times New Roman" panose="02020603050405020304" pitchFamily="18" charset="0"/>
-                        <a:ea typeface="宋体" panose="02010600030101010101" pitchFamily="2" charset="-122"/>
-                      </a:endParaRPr>
-                    </a:p>
-                  </a:txBody>
-                  <a:tcPr marL="36195" marR="36195" marT="0" marB="0"/>
-                </a:tc>
-                <a:extLst>
-                  <a:ext uri="{0D108BD9-81ED-4DB2-BD59-A6C34878D82A}">
-                    <a16:rowId xmlns:a16="http://schemas.microsoft.com/office/drawing/2014/main" val="785835407"/>
-                  </a:ext>
-                </a:extLst>
-              </a:tr>
-              <a:tr h="404979">
-                <a:tc>
-                  <a:txBody>
-                    <a:bodyPr/>
-                    <a:lstStyle/>
-                    <a:p>
-                      <a:pPr algn="ctr">
-                        <a:spcAft>
-                          <a:spcPts val="0"/>
-                        </a:spcAft>
-                      </a:pPr>
-                      <a:r>
-                        <a:rPr lang="en-US" sz="2400">
-                          <a:effectLst/>
-                        </a:rPr>
-                        <a:t>Conv_3</a:t>
-                      </a:r>
-                      <a:endParaRPr lang="zh-CN" sz="2400">
-                        <a:effectLst/>
-                        <a:latin typeface="Times New Roman" panose="02020603050405020304" pitchFamily="18" charset="0"/>
-                        <a:ea typeface="宋体" panose="02010600030101010101" pitchFamily="2" charset="-122"/>
-                      </a:endParaRPr>
-                    </a:p>
-                  </a:txBody>
-                  <a:tcPr marL="36195" marR="36195" marT="0" marB="0"/>
-                </a:tc>
-                <a:tc>
-                  <a:txBody>
-                    <a:bodyPr/>
-                    <a:lstStyle/>
-                    <a:p>
-                      <a:pPr algn="ctr">
-                        <a:spcAft>
-                          <a:spcPts val="0"/>
-                        </a:spcAft>
-                      </a:pPr>
-                      <a:r>
-                        <a:rPr lang="en-US" sz="2400" dirty="0">
-                          <a:effectLst/>
-                        </a:rPr>
-                        <a:t>64*121</a:t>
-                      </a:r>
-                      <a:endParaRPr lang="zh-CN" sz="2400" dirty="0">
-                        <a:effectLst/>
-                        <a:latin typeface="Times New Roman" panose="02020603050405020304" pitchFamily="18" charset="0"/>
-                        <a:ea typeface="宋体" panose="02010600030101010101" pitchFamily="2" charset="-122"/>
-                      </a:endParaRPr>
-                    </a:p>
-                  </a:txBody>
-                  <a:tcPr marL="36195" marR="36195" marT="0" marB="0"/>
-                </a:tc>
-                <a:tc>
-                  <a:txBody>
-                    <a:bodyPr/>
-                    <a:lstStyle/>
-                    <a:p>
-                      <a:pPr algn="ctr">
-                        <a:spcAft>
-                          <a:spcPts val="0"/>
-                        </a:spcAft>
-                      </a:pPr>
-                      <a:r>
-                        <a:rPr lang="en-US" sz="2400">
-                          <a:effectLst/>
-                        </a:rPr>
-                        <a:t>same</a:t>
-                      </a:r>
-                      <a:endParaRPr lang="zh-CN" sz="2400">
-                        <a:effectLst/>
-                        <a:latin typeface="Times New Roman" panose="02020603050405020304" pitchFamily="18" charset="0"/>
-                        <a:ea typeface="宋体" panose="02010600030101010101" pitchFamily="2" charset="-122"/>
-                      </a:endParaRPr>
-                    </a:p>
-                  </a:txBody>
-                  <a:tcPr marL="36195" marR="36195" marT="0" marB="0"/>
-                </a:tc>
-                <a:tc>
-                  <a:txBody>
-                    <a:bodyPr/>
-                    <a:lstStyle/>
-                    <a:p>
-                      <a:pPr algn="ctr">
-                        <a:spcAft>
-                          <a:spcPts val="0"/>
-                        </a:spcAft>
-                      </a:pPr>
-                      <a:r>
-                        <a:rPr lang="en-US" sz="2400">
-                          <a:effectLst/>
-                        </a:rPr>
-                        <a:t>1*3 / 1</a:t>
-                      </a:r>
-                      <a:endParaRPr lang="zh-CN" sz="2400">
-                        <a:effectLst/>
-                        <a:latin typeface="Times New Roman" panose="02020603050405020304" pitchFamily="18" charset="0"/>
-                        <a:ea typeface="宋体" panose="02010600030101010101" pitchFamily="2" charset="-122"/>
-                      </a:endParaRPr>
-                    </a:p>
-                  </a:txBody>
-                  <a:tcPr marL="36195" marR="36195" marT="0" marB="0"/>
-                </a:tc>
-                <a:extLst>
-                  <a:ext uri="{0D108BD9-81ED-4DB2-BD59-A6C34878D82A}">
-                    <a16:rowId xmlns:a16="http://schemas.microsoft.com/office/drawing/2014/main" val="1647671962"/>
-                  </a:ext>
-                </a:extLst>
-              </a:tr>
-              <a:tr h="404979">
-                <a:tc>
-                  <a:txBody>
-                    <a:bodyPr/>
-                    <a:lstStyle/>
-                    <a:p>
-                      <a:pPr algn="ctr">
-                        <a:spcAft>
-                          <a:spcPts val="0"/>
-                        </a:spcAft>
-                      </a:pPr>
-                      <a:r>
-                        <a:rPr lang="en-US" sz="2400">
-                          <a:effectLst/>
-                        </a:rPr>
-                        <a:t>Max_Pool_2</a:t>
-                      </a:r>
-                      <a:endParaRPr lang="zh-CN" sz="2400">
-                        <a:effectLst/>
-                        <a:latin typeface="Times New Roman" panose="02020603050405020304" pitchFamily="18" charset="0"/>
-                        <a:ea typeface="宋体" panose="02010600030101010101" pitchFamily="2" charset="-122"/>
-                      </a:endParaRPr>
-                    </a:p>
-                  </a:txBody>
-                  <a:tcPr marL="36195" marR="36195" marT="0" marB="0"/>
-                </a:tc>
-                <a:tc>
-                  <a:txBody>
-                    <a:bodyPr/>
-                    <a:lstStyle/>
-                    <a:p>
-                      <a:pPr algn="ctr">
-                        <a:spcAft>
-                          <a:spcPts val="0"/>
-                        </a:spcAft>
-                      </a:pPr>
-                      <a:r>
-                        <a:rPr lang="en-US" sz="2400" dirty="0">
-                          <a:effectLst/>
-                        </a:rPr>
-                        <a:t>32*121</a:t>
-                      </a:r>
-                      <a:endParaRPr lang="zh-CN" sz="2400" dirty="0">
-                        <a:effectLst/>
-                        <a:latin typeface="Times New Roman" panose="02020603050405020304" pitchFamily="18" charset="0"/>
-                        <a:ea typeface="宋体" panose="02010600030101010101" pitchFamily="2" charset="-122"/>
-                      </a:endParaRPr>
-                    </a:p>
-                  </a:txBody>
-                  <a:tcPr marL="36195" marR="36195" marT="0" marB="0"/>
-                </a:tc>
-                <a:tc>
-                  <a:txBody>
-                    <a:bodyPr/>
-                    <a:lstStyle/>
-                    <a:p>
-                      <a:pPr algn="ctr">
-                        <a:spcAft>
-                          <a:spcPts val="0"/>
-                        </a:spcAft>
-                      </a:pPr>
-                      <a:r>
-                        <a:rPr lang="en-US" sz="2400" dirty="0">
-                          <a:effectLst/>
-                        </a:rPr>
-                        <a:t>same</a:t>
-                      </a:r>
-                      <a:endParaRPr lang="zh-CN" sz="2400" dirty="0">
-                        <a:effectLst/>
-                        <a:latin typeface="Times New Roman" panose="02020603050405020304" pitchFamily="18" charset="0"/>
-                        <a:ea typeface="宋体" panose="02010600030101010101" pitchFamily="2" charset="-122"/>
-                      </a:endParaRPr>
-                    </a:p>
-                  </a:txBody>
-                  <a:tcPr marL="36195" marR="36195" marT="0" marB="0"/>
-                </a:tc>
-                <a:tc>
-                  <a:txBody>
-                    <a:bodyPr/>
-                    <a:lstStyle/>
-                    <a:p>
-                      <a:pPr algn="ctr">
-                        <a:spcAft>
-                          <a:spcPts val="0"/>
-                        </a:spcAft>
-                      </a:pPr>
-                      <a:r>
-                        <a:rPr lang="en-US" sz="2400">
-                          <a:effectLst/>
-                        </a:rPr>
-                        <a:t>1*3 / 2</a:t>
-                      </a:r>
-                      <a:endParaRPr lang="zh-CN" sz="2400">
-                        <a:effectLst/>
-                        <a:latin typeface="Times New Roman" panose="02020603050405020304" pitchFamily="18" charset="0"/>
-                        <a:ea typeface="宋体" panose="02010600030101010101" pitchFamily="2" charset="-122"/>
-                      </a:endParaRPr>
-                    </a:p>
-                  </a:txBody>
-                  <a:tcPr marL="36195" marR="36195" marT="0" marB="0"/>
-                </a:tc>
-                <a:extLst>
-                  <a:ext uri="{0D108BD9-81ED-4DB2-BD59-A6C34878D82A}">
-                    <a16:rowId xmlns:a16="http://schemas.microsoft.com/office/drawing/2014/main" val="1869675960"/>
-                  </a:ext>
-                </a:extLst>
-              </a:tr>
-              <a:tr h="404979">
-                <a:tc>
-                  <a:txBody>
-                    <a:bodyPr/>
-                    <a:lstStyle/>
-                    <a:p>
-                      <a:pPr algn="ctr">
-                        <a:spcAft>
-                          <a:spcPts val="0"/>
-                        </a:spcAft>
-                      </a:pPr>
-                      <a:r>
-                        <a:rPr lang="en-US" sz="2400">
-                          <a:effectLst/>
-                        </a:rPr>
-                        <a:t>Conv_2</a:t>
-                      </a:r>
-                      <a:endParaRPr lang="zh-CN" sz="2400">
-                        <a:effectLst/>
-                        <a:latin typeface="Times New Roman" panose="02020603050405020304" pitchFamily="18" charset="0"/>
-                        <a:ea typeface="宋体" panose="02010600030101010101" pitchFamily="2" charset="-122"/>
-                      </a:endParaRPr>
-                    </a:p>
-                  </a:txBody>
-                  <a:tcPr marL="36195" marR="36195" marT="0" marB="0"/>
-                </a:tc>
-                <a:tc>
-                  <a:txBody>
-                    <a:bodyPr/>
-                    <a:lstStyle/>
-                    <a:p>
-                      <a:pPr algn="ctr">
-                        <a:spcAft>
-                          <a:spcPts val="0"/>
-                        </a:spcAft>
-                      </a:pPr>
-                      <a:r>
-                        <a:rPr lang="en-US" sz="2400" dirty="0">
-                          <a:effectLst/>
-                        </a:rPr>
-                        <a:t>32*241</a:t>
-                      </a:r>
-                      <a:endParaRPr lang="zh-CN" sz="2400" dirty="0">
-                        <a:effectLst/>
-                        <a:latin typeface="Times New Roman" panose="02020603050405020304" pitchFamily="18" charset="0"/>
-                        <a:ea typeface="宋体" panose="02010600030101010101" pitchFamily="2" charset="-122"/>
-                      </a:endParaRPr>
-                    </a:p>
-                  </a:txBody>
-                  <a:tcPr marL="36195" marR="36195" marT="0" marB="0"/>
-                </a:tc>
-                <a:tc>
-                  <a:txBody>
-                    <a:bodyPr/>
-                    <a:lstStyle/>
-                    <a:p>
-                      <a:pPr algn="ctr">
-                        <a:spcAft>
-                          <a:spcPts val="0"/>
-                        </a:spcAft>
-                      </a:pPr>
-                      <a:r>
-                        <a:rPr lang="en-US" sz="2400" dirty="0">
-                          <a:effectLst/>
-                        </a:rPr>
-                        <a:t>same</a:t>
-                      </a:r>
-                      <a:endParaRPr lang="zh-CN" sz="2400" dirty="0">
-                        <a:effectLst/>
-                        <a:latin typeface="Times New Roman" panose="02020603050405020304" pitchFamily="18" charset="0"/>
-                        <a:ea typeface="宋体" panose="02010600030101010101" pitchFamily="2" charset="-122"/>
-                      </a:endParaRPr>
-                    </a:p>
-                  </a:txBody>
-                  <a:tcPr marL="36195" marR="36195" marT="0" marB="0"/>
-                </a:tc>
-                <a:tc>
-                  <a:txBody>
-                    <a:bodyPr/>
-                    <a:lstStyle/>
-                    <a:p>
-                      <a:pPr algn="ctr">
-                        <a:spcAft>
-                          <a:spcPts val="0"/>
-                        </a:spcAft>
-                      </a:pPr>
-                      <a:r>
-                        <a:rPr lang="en-US" sz="2400">
-                          <a:effectLst/>
-                        </a:rPr>
-                        <a:t>1*5 / 1</a:t>
-                      </a:r>
-                      <a:endParaRPr lang="zh-CN" sz="2400">
-                        <a:effectLst/>
-                        <a:latin typeface="Times New Roman" panose="02020603050405020304" pitchFamily="18" charset="0"/>
-                        <a:ea typeface="宋体" panose="02010600030101010101" pitchFamily="2" charset="-122"/>
-                      </a:endParaRPr>
-                    </a:p>
-                  </a:txBody>
-                  <a:tcPr marL="36195" marR="36195" marT="0" marB="0"/>
-                </a:tc>
-                <a:extLst>
-                  <a:ext uri="{0D108BD9-81ED-4DB2-BD59-A6C34878D82A}">
-                    <a16:rowId xmlns:a16="http://schemas.microsoft.com/office/drawing/2014/main" val="2382170415"/>
-                  </a:ext>
-                </a:extLst>
-              </a:tr>
-              <a:tr h="404979">
-                <a:tc>
-                  <a:txBody>
-                    <a:bodyPr/>
-                    <a:lstStyle/>
-                    <a:p>
-                      <a:pPr algn="ctr">
-                        <a:spcAft>
-                          <a:spcPts val="0"/>
-                        </a:spcAft>
-                      </a:pPr>
-                      <a:r>
-                        <a:rPr lang="en-US" sz="2400">
-                          <a:effectLst/>
-                        </a:rPr>
-                        <a:t>Max_Pool_1</a:t>
-                      </a:r>
-                      <a:endParaRPr lang="zh-CN" sz="2400">
-                        <a:effectLst/>
-                        <a:latin typeface="Times New Roman" panose="02020603050405020304" pitchFamily="18" charset="0"/>
-                        <a:ea typeface="宋体" panose="02010600030101010101" pitchFamily="2" charset="-122"/>
-                      </a:endParaRPr>
-                    </a:p>
-                  </a:txBody>
-                  <a:tcPr marL="36195" marR="36195" marT="0" marB="0"/>
-                </a:tc>
-                <a:tc>
-                  <a:txBody>
-                    <a:bodyPr/>
-                    <a:lstStyle/>
-                    <a:p>
-                      <a:pPr algn="ctr">
-                        <a:spcAft>
-                          <a:spcPts val="0"/>
-                        </a:spcAft>
-                      </a:pPr>
-                      <a:r>
-                        <a:rPr lang="en-US" sz="2400" dirty="0">
-                          <a:effectLst/>
-                        </a:rPr>
-                        <a:t>16*241</a:t>
-                      </a:r>
-                      <a:endParaRPr lang="zh-CN" sz="2400" dirty="0">
-                        <a:effectLst/>
-                        <a:latin typeface="Times New Roman" panose="02020603050405020304" pitchFamily="18" charset="0"/>
-                        <a:ea typeface="宋体" panose="02010600030101010101" pitchFamily="2" charset="-122"/>
-                      </a:endParaRPr>
-                    </a:p>
-                  </a:txBody>
-                  <a:tcPr marL="36195" marR="36195" marT="0" marB="0"/>
-                </a:tc>
-                <a:tc>
-                  <a:txBody>
-                    <a:bodyPr/>
-                    <a:lstStyle/>
-                    <a:p>
-                      <a:pPr algn="ctr">
-                        <a:spcAft>
-                          <a:spcPts val="0"/>
-                        </a:spcAft>
-                      </a:pPr>
-                      <a:r>
-                        <a:rPr lang="en-US" sz="2400" dirty="0">
-                          <a:effectLst/>
-                        </a:rPr>
-                        <a:t>same</a:t>
-                      </a:r>
-                      <a:endParaRPr lang="zh-CN" sz="2400" dirty="0">
-                        <a:effectLst/>
-                        <a:latin typeface="Times New Roman" panose="02020603050405020304" pitchFamily="18" charset="0"/>
-                        <a:ea typeface="宋体" panose="02010600030101010101" pitchFamily="2" charset="-122"/>
-                      </a:endParaRPr>
-                    </a:p>
-                  </a:txBody>
-                  <a:tcPr marL="36195" marR="36195" marT="0" marB="0"/>
-                </a:tc>
-                <a:tc>
-                  <a:txBody>
-                    <a:bodyPr/>
-                    <a:lstStyle/>
-                    <a:p>
-                      <a:pPr algn="ctr">
-                        <a:spcAft>
-                          <a:spcPts val="0"/>
-                        </a:spcAft>
-                      </a:pPr>
-                      <a:r>
-                        <a:rPr lang="en-US" sz="2400" dirty="0">
-                          <a:effectLst/>
-                        </a:rPr>
-                        <a:t>1*3 / 2</a:t>
-                      </a:r>
-                      <a:endParaRPr lang="zh-CN" sz="2400" dirty="0">
-                        <a:effectLst/>
-                        <a:latin typeface="Times New Roman" panose="02020603050405020304" pitchFamily="18" charset="0"/>
-                        <a:ea typeface="宋体" panose="02010600030101010101" pitchFamily="2" charset="-122"/>
-                      </a:endParaRPr>
-                    </a:p>
-                  </a:txBody>
-                  <a:tcPr marL="36195" marR="36195" marT="0" marB="0"/>
-                </a:tc>
-                <a:extLst>
-                  <a:ext uri="{0D108BD9-81ED-4DB2-BD59-A6C34878D82A}">
-                    <a16:rowId xmlns:a16="http://schemas.microsoft.com/office/drawing/2014/main" val="2309718995"/>
-                  </a:ext>
-                </a:extLst>
-              </a:tr>
-              <a:tr h="404979">
-                <a:tc>
-                  <a:txBody>
-                    <a:bodyPr/>
-                    <a:lstStyle/>
-                    <a:p>
-                      <a:pPr algn="ctr">
-                        <a:spcAft>
-                          <a:spcPts val="0"/>
-                        </a:spcAft>
-                      </a:pPr>
-                      <a:r>
-                        <a:rPr lang="en-US" sz="2400">
-                          <a:effectLst/>
-                        </a:rPr>
-                        <a:t>Conv_1</a:t>
-                      </a:r>
-                      <a:endParaRPr lang="zh-CN" sz="2400">
-                        <a:effectLst/>
-                        <a:latin typeface="Times New Roman" panose="02020603050405020304" pitchFamily="18" charset="0"/>
-                        <a:ea typeface="宋体" panose="02010600030101010101" pitchFamily="2" charset="-122"/>
-                      </a:endParaRPr>
-                    </a:p>
-                  </a:txBody>
-                  <a:tcPr marL="36195" marR="36195" marT="0" marB="0"/>
-                </a:tc>
-                <a:tc>
-                  <a:txBody>
-                    <a:bodyPr/>
-                    <a:lstStyle/>
-                    <a:p>
-                      <a:pPr algn="ctr">
-                        <a:spcAft>
-                          <a:spcPts val="0"/>
-                        </a:spcAft>
-                      </a:pPr>
-                      <a:r>
-                        <a:rPr lang="en-US" sz="2400">
-                          <a:effectLst/>
-                        </a:rPr>
-                        <a:t>16*481</a:t>
-                      </a:r>
-                      <a:endParaRPr lang="zh-CN" sz="2400">
-                        <a:effectLst/>
-                        <a:latin typeface="Times New Roman" panose="02020603050405020304" pitchFamily="18" charset="0"/>
-                        <a:ea typeface="宋体" panose="02010600030101010101" pitchFamily="2" charset="-122"/>
-                      </a:endParaRPr>
-                    </a:p>
-                  </a:txBody>
-                  <a:tcPr marL="36195" marR="36195" marT="0" marB="0"/>
-                </a:tc>
-                <a:tc>
-                  <a:txBody>
-                    <a:bodyPr/>
-                    <a:lstStyle/>
-                    <a:p>
-                      <a:pPr algn="ctr">
-                        <a:spcAft>
-                          <a:spcPts val="0"/>
-                        </a:spcAft>
-                      </a:pPr>
-                      <a:r>
-                        <a:rPr lang="en-US" sz="2400" dirty="0">
-                          <a:effectLst/>
-                        </a:rPr>
-                        <a:t>same</a:t>
-                      </a:r>
-                      <a:endParaRPr lang="zh-CN" sz="2400" dirty="0">
-                        <a:effectLst/>
-                        <a:latin typeface="Times New Roman" panose="02020603050405020304" pitchFamily="18" charset="0"/>
-                        <a:ea typeface="宋体" panose="02010600030101010101" pitchFamily="2" charset="-122"/>
-                      </a:endParaRPr>
-                    </a:p>
-                  </a:txBody>
-                  <a:tcPr marL="36195" marR="36195" marT="0" marB="0"/>
-                </a:tc>
-                <a:tc>
-                  <a:txBody>
-                    <a:bodyPr/>
-                    <a:lstStyle/>
-                    <a:p>
-                      <a:pPr algn="ctr">
-                        <a:spcAft>
-                          <a:spcPts val="0"/>
-                        </a:spcAft>
-                      </a:pPr>
-                      <a:r>
-                        <a:rPr lang="en-US" sz="2400" dirty="0">
-                          <a:effectLst/>
-                        </a:rPr>
-                        <a:t>1*7 / 1</a:t>
-                      </a:r>
-                      <a:endParaRPr lang="zh-CN" sz="2400" dirty="0">
-                        <a:effectLst/>
-                        <a:latin typeface="Times New Roman" panose="02020603050405020304" pitchFamily="18" charset="0"/>
-                        <a:ea typeface="宋体" panose="02010600030101010101" pitchFamily="2" charset="-122"/>
-                      </a:endParaRPr>
-                    </a:p>
-                  </a:txBody>
-                  <a:tcPr marL="36195" marR="36195" marT="0" marB="0"/>
-                </a:tc>
-                <a:extLst>
-                  <a:ext uri="{0D108BD9-81ED-4DB2-BD59-A6C34878D82A}">
-                    <a16:rowId xmlns:a16="http://schemas.microsoft.com/office/drawing/2014/main" val="4232486634"/>
-                  </a:ext>
-                </a:extLst>
-              </a:tr>
-              <a:tr h="404979">
-                <a:tc>
-                  <a:txBody>
-                    <a:bodyPr/>
-                    <a:lstStyle/>
-                    <a:p>
-                      <a:pPr algn="ctr">
-                        <a:spcAft>
-                          <a:spcPts val="0"/>
-                        </a:spcAft>
-                      </a:pPr>
-                      <a:r>
-                        <a:rPr lang="en-US" sz="2400" dirty="0">
-                          <a:effectLst/>
-                        </a:rPr>
-                        <a:t>Input</a:t>
-                      </a:r>
-                      <a:endParaRPr lang="zh-CN" sz="2400" dirty="0">
-                        <a:effectLst/>
-                        <a:latin typeface="Times New Roman" panose="02020603050405020304" pitchFamily="18" charset="0"/>
-                        <a:ea typeface="宋体" panose="02010600030101010101" pitchFamily="2" charset="-122"/>
-                      </a:endParaRPr>
-                    </a:p>
-                  </a:txBody>
-                  <a:tcPr marL="36195" marR="36195" marT="0" marB="0"/>
-                </a:tc>
-                <a:tc>
-                  <a:txBody>
-                    <a:bodyPr/>
-                    <a:lstStyle/>
-                    <a:p>
-                      <a:pPr algn="ctr">
-                        <a:spcAft>
-                          <a:spcPts val="0"/>
-                        </a:spcAft>
-                      </a:pPr>
-                      <a:r>
-                        <a:rPr lang="en-US" sz="2400" dirty="0">
-                          <a:effectLst/>
-                        </a:rPr>
-                        <a:t>1*481</a:t>
-                      </a:r>
-                      <a:endParaRPr lang="zh-CN" sz="2400" dirty="0">
-                        <a:effectLst/>
-                        <a:latin typeface="Times New Roman" panose="02020603050405020304" pitchFamily="18" charset="0"/>
-                        <a:ea typeface="宋体" panose="02010600030101010101" pitchFamily="2" charset="-122"/>
-                      </a:endParaRPr>
-                    </a:p>
-                  </a:txBody>
-                  <a:tcPr marL="36195" marR="36195" marT="0" marB="0"/>
-                </a:tc>
-                <a:tc>
-                  <a:txBody>
-                    <a:bodyPr/>
-                    <a:lstStyle/>
-                    <a:p>
-                      <a:pPr algn="ctr">
-                        <a:spcAft>
-                          <a:spcPts val="0"/>
-                        </a:spcAft>
-                      </a:pPr>
-                      <a:r>
-                        <a:rPr lang="en-US" sz="2400" dirty="0">
-                          <a:effectLst/>
-                        </a:rPr>
-                        <a:t> </a:t>
-                      </a:r>
-                      <a:endParaRPr lang="zh-CN" sz="2400" dirty="0">
-                        <a:effectLst/>
-                        <a:latin typeface="Times New Roman" panose="02020603050405020304" pitchFamily="18" charset="0"/>
-                        <a:ea typeface="宋体" panose="02010600030101010101" pitchFamily="2" charset="-122"/>
-                      </a:endParaRPr>
-                    </a:p>
-                  </a:txBody>
-                  <a:tcPr marL="36195" marR="36195" marT="0" marB="0"/>
-                </a:tc>
-                <a:tc>
-                  <a:txBody>
-                    <a:bodyPr/>
-                    <a:lstStyle/>
-                    <a:p>
-                      <a:pPr algn="ctr">
-                        <a:spcAft>
-                          <a:spcPts val="0"/>
-                        </a:spcAft>
-                      </a:pPr>
-                      <a:r>
-                        <a:rPr lang="en-US" sz="2400" dirty="0">
-                          <a:effectLst/>
-                        </a:rPr>
-                        <a:t> </a:t>
-                      </a:r>
-                      <a:endParaRPr lang="zh-CN" sz="2400" dirty="0">
-                        <a:effectLst/>
-                        <a:latin typeface="Times New Roman" panose="02020603050405020304" pitchFamily="18" charset="0"/>
-                        <a:ea typeface="宋体" panose="02010600030101010101" pitchFamily="2" charset="-122"/>
-                      </a:endParaRPr>
-                    </a:p>
-                  </a:txBody>
-                  <a:tcPr marL="36195" marR="36195" marT="0" marB="0"/>
-                </a:tc>
-                <a:extLst>
-                  <a:ext uri="{0D108BD9-81ED-4DB2-BD59-A6C34878D82A}">
-                    <a16:rowId xmlns:a16="http://schemas.microsoft.com/office/drawing/2014/main" val="3900799437"/>
-                  </a:ext>
-                </a:extLst>
-              </a:tr>
-            </a:tbl>
-          </a:graphicData>
-        </a:graphic>
-      </p:graphicFrame>
-      <p:pic>
-        <p:nvPicPr>
-          <p:cNvPr id="86" name="图片 85">
-            <a:extLst>
-              <a:ext uri="{FF2B5EF4-FFF2-40B4-BE49-F238E27FC236}">
-                <a16:creationId xmlns:a16="http://schemas.microsoft.com/office/drawing/2014/main" id="{460745FA-264A-4D4B-8089-1ACA384FED90}"/>
-              </a:ext>
-            </a:extLst>
-          </p:cNvPr>
-          <p:cNvPicPr/>
-          <p:nvPr/>
-        </p:nvPicPr>
-        <p:blipFill>
-          <a:blip r:embed="rId8"/>
-          <a:stretch>
-            <a:fillRect/>
-          </a:stretch>
-        </p:blipFill>
-        <p:spPr>
-          <a:xfrm>
-            <a:off x="40527010" y="5375410"/>
-            <a:ext cx="4728302" cy="10458195"/>
-          </a:xfrm>
-          <a:prstGeom prst="rect">
-            <a:avLst/>
-          </a:prstGeom>
-        </p:spPr>
-      </p:pic>
       <p:sp>
         <p:nvSpPr>
           <p:cNvPr id="87" name="Rectangle 5">
